--- a/resources/Tooltips.pptx
+++ b/resources/Tooltips.pptx
@@ -104,6 +104,11 @@
       </a:defRPr>
     </a:lvl9pPr>
   </p:defaultTextStyle>
+  <p:extLst>
+    <p:ext uri="{EFAFB233-063F-42B5-8137-9DF3F51BA10A}">
+      <p15:sldGuideLst xmlns:p15="http://schemas.microsoft.com/office/powerpoint/2012/main"/>
+    </p:ext>
+  </p:extLst>
 </p:presentation>
 </file>
 
@@ -254,7 +259,7 @@
           <a:p>
             <a:fld id="{0AEF6033-48BE-4F3C-A2E0-FC2478E9B1E8}" type="datetimeFigureOut">
               <a:rPr lang="en-US" smtClean="0"/>
-              <a:t>1/5/2021</a:t>
+              <a:t>1/6/2021</a:t>
             </a:fld>
             <a:endParaRPr lang="en-US"/>
           </a:p>
@@ -452,7 +457,7 @@
           <a:p>
             <a:fld id="{0AEF6033-48BE-4F3C-A2E0-FC2478E9B1E8}" type="datetimeFigureOut">
               <a:rPr lang="en-US" smtClean="0"/>
-              <a:t>1/5/2021</a:t>
+              <a:t>1/6/2021</a:t>
             </a:fld>
             <a:endParaRPr lang="en-US"/>
           </a:p>
@@ -660,7 +665,7 @@
           <a:p>
             <a:fld id="{0AEF6033-48BE-4F3C-A2E0-FC2478E9B1E8}" type="datetimeFigureOut">
               <a:rPr lang="en-US" smtClean="0"/>
-              <a:t>1/5/2021</a:t>
+              <a:t>1/6/2021</a:t>
             </a:fld>
             <a:endParaRPr lang="en-US"/>
           </a:p>
@@ -858,7 +863,7 @@
           <a:p>
             <a:fld id="{0AEF6033-48BE-4F3C-A2E0-FC2478E9B1E8}" type="datetimeFigureOut">
               <a:rPr lang="en-US" smtClean="0"/>
-              <a:t>1/5/2021</a:t>
+              <a:t>1/6/2021</a:t>
             </a:fld>
             <a:endParaRPr lang="en-US"/>
           </a:p>
@@ -1133,7 +1138,7 @@
           <a:p>
             <a:fld id="{0AEF6033-48BE-4F3C-A2E0-FC2478E9B1E8}" type="datetimeFigureOut">
               <a:rPr lang="en-US" smtClean="0"/>
-              <a:t>1/5/2021</a:t>
+              <a:t>1/6/2021</a:t>
             </a:fld>
             <a:endParaRPr lang="en-US"/>
           </a:p>
@@ -1398,7 +1403,7 @@
           <a:p>
             <a:fld id="{0AEF6033-48BE-4F3C-A2E0-FC2478E9B1E8}" type="datetimeFigureOut">
               <a:rPr lang="en-US" smtClean="0"/>
-              <a:t>1/5/2021</a:t>
+              <a:t>1/6/2021</a:t>
             </a:fld>
             <a:endParaRPr lang="en-US"/>
           </a:p>
@@ -1810,7 +1815,7 @@
           <a:p>
             <a:fld id="{0AEF6033-48BE-4F3C-A2E0-FC2478E9B1E8}" type="datetimeFigureOut">
               <a:rPr lang="en-US" smtClean="0"/>
-              <a:t>1/5/2021</a:t>
+              <a:t>1/6/2021</a:t>
             </a:fld>
             <a:endParaRPr lang="en-US"/>
           </a:p>
@@ -1951,7 +1956,7 @@
           <a:p>
             <a:fld id="{0AEF6033-48BE-4F3C-A2E0-FC2478E9B1E8}" type="datetimeFigureOut">
               <a:rPr lang="en-US" smtClean="0"/>
-              <a:t>1/5/2021</a:t>
+              <a:t>1/6/2021</a:t>
             </a:fld>
             <a:endParaRPr lang="en-US"/>
           </a:p>
@@ -2064,7 +2069,7 @@
           <a:p>
             <a:fld id="{0AEF6033-48BE-4F3C-A2E0-FC2478E9B1E8}" type="datetimeFigureOut">
               <a:rPr lang="en-US" smtClean="0"/>
-              <a:t>1/5/2021</a:t>
+              <a:t>1/6/2021</a:t>
             </a:fld>
             <a:endParaRPr lang="en-US"/>
           </a:p>
@@ -2375,7 +2380,7 @@
           <a:p>
             <a:fld id="{0AEF6033-48BE-4F3C-A2E0-FC2478E9B1E8}" type="datetimeFigureOut">
               <a:rPr lang="en-US" smtClean="0"/>
-              <a:t>1/5/2021</a:t>
+              <a:t>1/6/2021</a:t>
             </a:fld>
             <a:endParaRPr lang="en-US"/>
           </a:p>
@@ -2663,7 +2668,7 @@
           <a:p>
             <a:fld id="{0AEF6033-48BE-4F3C-A2E0-FC2478E9B1E8}" type="datetimeFigureOut">
               <a:rPr lang="en-US" smtClean="0"/>
-              <a:t>1/5/2021</a:t>
+              <a:t>1/6/2021</a:t>
             </a:fld>
             <a:endParaRPr lang="en-US"/>
           </a:p>
@@ -2904,7 +2909,7 @@
           <a:p>
             <a:fld id="{0AEF6033-48BE-4F3C-A2E0-FC2478E9B1E8}" type="datetimeFigureOut">
               <a:rPr lang="en-US" smtClean="0"/>
-              <a:t>1/5/2021</a:t>
+              <a:t>1/6/2021</a:t>
             </a:fld>
             <a:endParaRPr lang="en-US"/>
           </a:p>
@@ -3544,13 +3549,13 @@
           <a:p>
             <a:r>
               <a:rPr lang="en-US" dirty="0"/>
-              <a:t>Cell types of brushed cells</a:t>
+              <a:t>Assign cell type to brushed cells</a:t>
             </a:r>
           </a:p>
           <a:p>
             <a:r>
               <a:rPr lang="en-US" dirty="0"/>
-              <a:t>Cell types of clusters</a:t>
+              <a:t>Assign cell type to clusters</a:t>
             </a:r>
           </a:p>
           <a:p>

--- a/resources/Tooltips.pptx
+++ b/resources/Tooltips.pptx
@@ -6,6 +6,7 @@
   </p:sldMasterIdLst>
   <p:sldIdLst>
     <p:sldId id="256" r:id="rId2"/>
+    <p:sldId id="257" r:id="rId3"/>
   </p:sldIdLst>
   <p:sldSz cx="12192000" cy="6858000"/>
   <p:notesSz cx="6858000" cy="9144000"/>
@@ -259,7 +260,7 @@
           <a:p>
             <a:fld id="{0AEF6033-48BE-4F3C-A2E0-FC2478E9B1E8}" type="datetimeFigureOut">
               <a:rPr lang="en-US" smtClean="0"/>
-              <a:t>1/6/2021</a:t>
+              <a:t>3/8/2021</a:t>
             </a:fld>
             <a:endParaRPr lang="en-US"/>
           </a:p>
@@ -457,7 +458,7 @@
           <a:p>
             <a:fld id="{0AEF6033-48BE-4F3C-A2E0-FC2478E9B1E8}" type="datetimeFigureOut">
               <a:rPr lang="en-US" smtClean="0"/>
-              <a:t>1/6/2021</a:t>
+              <a:t>3/8/2021</a:t>
             </a:fld>
             <a:endParaRPr lang="en-US"/>
           </a:p>
@@ -665,7 +666,7 @@
           <a:p>
             <a:fld id="{0AEF6033-48BE-4F3C-A2E0-FC2478E9B1E8}" type="datetimeFigureOut">
               <a:rPr lang="en-US" smtClean="0"/>
-              <a:t>1/6/2021</a:t>
+              <a:t>3/8/2021</a:t>
             </a:fld>
             <a:endParaRPr lang="en-US"/>
           </a:p>
@@ -863,7 +864,7 @@
           <a:p>
             <a:fld id="{0AEF6033-48BE-4F3C-A2E0-FC2478E9B1E8}" type="datetimeFigureOut">
               <a:rPr lang="en-US" smtClean="0"/>
-              <a:t>1/6/2021</a:t>
+              <a:t>3/8/2021</a:t>
             </a:fld>
             <a:endParaRPr lang="en-US"/>
           </a:p>
@@ -1138,7 +1139,7 @@
           <a:p>
             <a:fld id="{0AEF6033-48BE-4F3C-A2E0-FC2478E9B1E8}" type="datetimeFigureOut">
               <a:rPr lang="en-US" smtClean="0"/>
-              <a:t>1/6/2021</a:t>
+              <a:t>3/8/2021</a:t>
             </a:fld>
             <a:endParaRPr lang="en-US"/>
           </a:p>
@@ -1403,7 +1404,7 @@
           <a:p>
             <a:fld id="{0AEF6033-48BE-4F3C-A2E0-FC2478E9B1E8}" type="datetimeFigureOut">
               <a:rPr lang="en-US" smtClean="0"/>
-              <a:t>1/6/2021</a:t>
+              <a:t>3/8/2021</a:t>
             </a:fld>
             <a:endParaRPr lang="en-US"/>
           </a:p>
@@ -1815,7 +1816,7 @@
           <a:p>
             <a:fld id="{0AEF6033-48BE-4F3C-A2E0-FC2478E9B1E8}" type="datetimeFigureOut">
               <a:rPr lang="en-US" smtClean="0"/>
-              <a:t>1/6/2021</a:t>
+              <a:t>3/8/2021</a:t>
             </a:fld>
             <a:endParaRPr lang="en-US"/>
           </a:p>
@@ -1956,7 +1957,7 @@
           <a:p>
             <a:fld id="{0AEF6033-48BE-4F3C-A2E0-FC2478E9B1E8}" type="datetimeFigureOut">
               <a:rPr lang="en-US" smtClean="0"/>
-              <a:t>1/6/2021</a:t>
+              <a:t>3/8/2021</a:t>
             </a:fld>
             <a:endParaRPr lang="en-US"/>
           </a:p>
@@ -2069,7 +2070,7 @@
           <a:p>
             <a:fld id="{0AEF6033-48BE-4F3C-A2E0-FC2478E9B1E8}" type="datetimeFigureOut">
               <a:rPr lang="en-US" smtClean="0"/>
-              <a:t>1/6/2021</a:t>
+              <a:t>3/8/2021</a:t>
             </a:fld>
             <a:endParaRPr lang="en-US"/>
           </a:p>
@@ -2380,7 +2381,7 @@
           <a:p>
             <a:fld id="{0AEF6033-48BE-4F3C-A2E0-FC2478E9B1E8}" type="datetimeFigureOut">
               <a:rPr lang="en-US" smtClean="0"/>
-              <a:t>1/6/2021</a:t>
+              <a:t>3/8/2021</a:t>
             </a:fld>
             <a:endParaRPr lang="en-US"/>
           </a:p>
@@ -2668,7 +2669,7 @@
           <a:p>
             <a:fld id="{0AEF6033-48BE-4F3C-A2E0-FC2478E9B1E8}" type="datetimeFigureOut">
               <a:rPr lang="en-US" smtClean="0"/>
-              <a:t>1/6/2021</a:t>
+              <a:t>3/8/2021</a:t>
             </a:fld>
             <a:endParaRPr lang="en-US"/>
           </a:p>
@@ -2909,7 +2910,7 @@
           <a:p>
             <a:fld id="{0AEF6033-48BE-4F3C-A2E0-FC2478E9B1E8}" type="datetimeFigureOut">
               <a:rPr lang="en-US" smtClean="0"/>
-              <a:t>1/6/2021</a:t>
+              <a:t>3/8/2021</a:t>
             </a:fld>
             <a:endParaRPr lang="en-US"/>
           </a:p>
@@ -4826,6 +4827,1678 @@
 </p:sld>
 </file>
 
+<file path=ppt/slides/slide2.xml><?xml version="1.0" encoding="utf-8"?>
+<p:sld xmlns:a="http://schemas.openxmlformats.org/drawingml/2006/main" xmlns:r="http://schemas.openxmlformats.org/officeDocument/2006/relationships" xmlns:p="http://schemas.openxmlformats.org/presentationml/2006/main">
+  <p:cSld>
+    <p:spTree>
+      <p:nvGrpSpPr>
+        <p:cNvPr id="1" name=""/>
+        <p:cNvGrpSpPr/>
+        <p:nvPr/>
+      </p:nvGrpSpPr>
+      <p:grpSpPr>
+        <a:xfrm>
+          <a:off x="0" y="0"/>
+          <a:ext cx="0" cy="0"/>
+          <a:chOff x="0" y="0"/>
+          <a:chExt cx="0" cy="0"/>
+        </a:xfrm>
+      </p:grpSpPr>
+      <p:pic>
+        <p:nvPicPr>
+          <p:cNvPr id="3" name="Picture 2">
+            <a:extLst>
+              <a:ext uri="{FF2B5EF4-FFF2-40B4-BE49-F238E27FC236}">
+                <a16:creationId xmlns:a16="http://schemas.microsoft.com/office/drawing/2014/main" id="{06029E92-C95F-4278-9608-D46138889901}"/>
+              </a:ext>
+            </a:extLst>
+          </p:cNvPr>
+          <p:cNvPicPr>
+            <a:picLocks noChangeAspect="1"/>
+          </p:cNvPicPr>
+          <p:nvPr/>
+        </p:nvPicPr>
+        <p:blipFill rotWithShape="1">
+          <a:blip r:embed="rId2"/>
+          <a:srcRect b="85350"/>
+          <a:stretch/>
+        </p:blipFill>
+        <p:spPr>
+          <a:xfrm>
+            <a:off x="2921661" y="2736472"/>
+            <a:ext cx="7816485" cy="1004680"/>
+          </a:xfrm>
+          <a:prstGeom prst="rect">
+            <a:avLst/>
+          </a:prstGeom>
+        </p:spPr>
+      </p:pic>
+      <p:cxnSp>
+        <p:nvCxnSpPr>
+          <p:cNvPr id="35" name="Straight Connector 34">
+            <a:extLst>
+              <a:ext uri="{FF2B5EF4-FFF2-40B4-BE49-F238E27FC236}">
+                <a16:creationId xmlns:a16="http://schemas.microsoft.com/office/drawing/2014/main" id="{2893DB10-3487-42AB-A408-D5F4748119C2}"/>
+              </a:ext>
+            </a:extLst>
+          </p:cNvPr>
+          <p:cNvCxnSpPr>
+            <a:cxnSpLocks/>
+            <a:stCxn id="34" idx="2"/>
+            <a:endCxn id="37" idx="1"/>
+          </p:cNvCxnSpPr>
+          <p:nvPr/>
+        </p:nvCxnSpPr>
+        <p:spPr>
+          <a:xfrm flipH="1">
+            <a:off x="6622343" y="1072899"/>
+            <a:ext cx="3312369" cy="2070965"/>
+          </a:xfrm>
+          <a:prstGeom prst="line">
+            <a:avLst/>
+          </a:prstGeom>
+          <a:ln w="9525">
+            <a:solidFill>
+              <a:schemeClr val="tx1"/>
+            </a:solidFill>
+          </a:ln>
+        </p:spPr>
+        <p:style>
+          <a:lnRef idx="1">
+            <a:schemeClr val="accent1"/>
+          </a:lnRef>
+          <a:fillRef idx="0">
+            <a:schemeClr val="accent1"/>
+          </a:fillRef>
+          <a:effectRef idx="0">
+            <a:schemeClr val="accent1"/>
+          </a:effectRef>
+          <a:fontRef idx="minor">
+            <a:schemeClr val="tx1"/>
+          </a:fontRef>
+        </p:style>
+      </p:cxnSp>
+      <p:sp>
+        <p:nvSpPr>
+          <p:cNvPr id="6" name="Rectangle 5">
+            <a:extLst>
+              <a:ext uri="{FF2B5EF4-FFF2-40B4-BE49-F238E27FC236}">
+                <a16:creationId xmlns:a16="http://schemas.microsoft.com/office/drawing/2014/main" id="{29F3525D-E59F-4376-AB7E-6055FA52096A}"/>
+              </a:ext>
+            </a:extLst>
+          </p:cNvPr>
+          <p:cNvSpPr/>
+          <p:nvPr/>
+        </p:nvSpPr>
+        <p:spPr>
+          <a:xfrm>
+            <a:off x="130929" y="1392447"/>
+            <a:ext cx="3262688" cy="923330"/>
+          </a:xfrm>
+          <a:prstGeom prst="rect">
+            <a:avLst/>
+          </a:prstGeom>
+          <a:ln>
+            <a:solidFill>
+              <a:schemeClr val="tx1"/>
+            </a:solidFill>
+          </a:ln>
+        </p:spPr>
+        <p:txBody>
+          <a:bodyPr wrap="square">
+            <a:spAutoFit/>
+          </a:bodyPr>
+          <a:lstStyle/>
+          <a:p>
+            <a:pPr algn="r"/>
+            <a:r>
+              <a:rPr lang="en-US" dirty="0"/>
+              <a:t>Select a gene to show expression</a:t>
+            </a:r>
+          </a:p>
+          <a:p>
+            <a:pPr algn="r"/>
+            <a:r>
+              <a:rPr lang="en-US" dirty="0"/>
+              <a:t>Show cell states</a:t>
+            </a:r>
+          </a:p>
+          <a:p>
+            <a:pPr algn="r"/>
+            <a:r>
+              <a:rPr lang="en-US" dirty="0"/>
+              <a:t>Select cells by class</a:t>
+            </a:r>
+          </a:p>
+        </p:txBody>
+      </p:sp>
+      <p:sp>
+        <p:nvSpPr>
+          <p:cNvPr id="7" name="Rectangle 6">
+            <a:extLst>
+              <a:ext uri="{FF2B5EF4-FFF2-40B4-BE49-F238E27FC236}">
+                <a16:creationId xmlns:a16="http://schemas.microsoft.com/office/drawing/2014/main" id="{5A15B46B-C8C0-4662-B4B1-B000087CEE5F}"/>
+              </a:ext>
+            </a:extLst>
+          </p:cNvPr>
+          <p:cNvSpPr/>
+          <p:nvPr/>
+        </p:nvSpPr>
+        <p:spPr>
+          <a:xfrm>
+            <a:off x="130929" y="4222700"/>
+            <a:ext cx="3579680" cy="1200329"/>
+          </a:xfrm>
+          <a:prstGeom prst="rect">
+            <a:avLst/>
+          </a:prstGeom>
+          <a:ln>
+            <a:solidFill>
+              <a:schemeClr val="tx1"/>
+            </a:solidFill>
+          </a:ln>
+        </p:spPr>
+        <p:txBody>
+          <a:bodyPr wrap="square">
+            <a:spAutoFit/>
+          </a:bodyPr>
+          <a:lstStyle/>
+          <a:p>
+            <a:pPr algn="r"/>
+            <a:r>
+              <a:rPr lang="en-US" dirty="0"/>
+              <a:t>Label clusters</a:t>
+            </a:r>
+          </a:p>
+          <a:p>
+            <a:pPr algn="r"/>
+            <a:r>
+              <a:rPr lang="en-US" dirty="0"/>
+              <a:t>Add brushed cells to a new cluster</a:t>
+            </a:r>
+          </a:p>
+          <a:p>
+            <a:pPr algn="r"/>
+            <a:r>
+              <a:rPr lang="en-US" dirty="0"/>
+              <a:t>Merge brushed cells to same cluster</a:t>
+            </a:r>
+          </a:p>
+          <a:p>
+            <a:pPr algn="r"/>
+            <a:r>
+              <a:rPr lang="en-US" dirty="0"/>
+              <a:t>Show clusters individually</a:t>
+            </a:r>
+          </a:p>
+        </p:txBody>
+      </p:sp>
+      <p:sp>
+        <p:nvSpPr>
+          <p:cNvPr id="8" name="Rectangle 7">
+            <a:extLst>
+              <a:ext uri="{FF2B5EF4-FFF2-40B4-BE49-F238E27FC236}">
+                <a16:creationId xmlns:a16="http://schemas.microsoft.com/office/drawing/2014/main" id="{F3FC82E3-8C85-43E0-ACBD-BE7C640B798C}"/>
+              </a:ext>
+            </a:extLst>
+          </p:cNvPr>
+          <p:cNvSpPr/>
+          <p:nvPr/>
+        </p:nvSpPr>
+        <p:spPr>
+          <a:xfrm>
+            <a:off x="1824855" y="5783920"/>
+            <a:ext cx="3621024" cy="646331"/>
+          </a:xfrm>
+          <a:prstGeom prst="rect">
+            <a:avLst/>
+          </a:prstGeom>
+          <a:ln>
+            <a:solidFill>
+              <a:schemeClr val="tx1"/>
+            </a:solidFill>
+          </a:ln>
+        </p:spPr>
+        <p:txBody>
+          <a:bodyPr wrap="square">
+            <a:spAutoFit/>
+          </a:bodyPr>
+          <a:lstStyle/>
+          <a:p>
+            <a:r>
+              <a:rPr lang="en-US" dirty="0"/>
+              <a:t>Clustering using embedding S</a:t>
+            </a:r>
+          </a:p>
+          <a:p>
+            <a:r>
+              <a:rPr lang="en-US" dirty="0"/>
+              <a:t>Clustering using expression matrix X</a:t>
+            </a:r>
+          </a:p>
+        </p:txBody>
+      </p:sp>
+      <p:sp>
+        <p:nvSpPr>
+          <p:cNvPr id="9" name="Rectangle 8">
+            <a:extLst>
+              <a:ext uri="{FF2B5EF4-FFF2-40B4-BE49-F238E27FC236}">
+                <a16:creationId xmlns:a16="http://schemas.microsoft.com/office/drawing/2014/main" id="{50C28B45-2246-498B-8100-E73397A02251}"/>
+              </a:ext>
+            </a:extLst>
+          </p:cNvPr>
+          <p:cNvSpPr/>
+          <p:nvPr/>
+        </p:nvSpPr>
+        <p:spPr>
+          <a:xfrm>
+            <a:off x="5627039" y="4951918"/>
+            <a:ext cx="3176016" cy="1477328"/>
+          </a:xfrm>
+          <a:prstGeom prst="rect">
+            <a:avLst/>
+          </a:prstGeom>
+          <a:ln>
+            <a:solidFill>
+              <a:schemeClr val="tx1"/>
+            </a:solidFill>
+          </a:ln>
+        </p:spPr>
+        <p:txBody>
+          <a:bodyPr wrap="square">
+            <a:spAutoFit/>
+          </a:bodyPr>
+          <a:lstStyle/>
+          <a:p>
+            <a:r>
+              <a:rPr lang="en-US" dirty="0"/>
+              <a:t>Assign cell type to brushed cells</a:t>
+            </a:r>
+          </a:p>
+          <a:p>
+            <a:r>
+              <a:rPr lang="en-US" dirty="0"/>
+              <a:t>Assign cell type to clusters</a:t>
+            </a:r>
+          </a:p>
+          <a:p>
+            <a:r>
+              <a:rPr lang="en-US" dirty="0"/>
+              <a:t>Rename cell type</a:t>
+            </a:r>
+          </a:p>
+          <a:p>
+            <a:r>
+              <a:rPr lang="en-US" dirty="0"/>
+              <a:t>Marker genes of brushed cells</a:t>
+            </a:r>
+          </a:p>
+          <a:p>
+            <a:r>
+              <a:rPr lang="en-US" dirty="0"/>
+              <a:t>Marker gene heatmap</a:t>
+            </a:r>
+          </a:p>
+        </p:txBody>
+      </p:sp>
+      <p:sp>
+        <p:nvSpPr>
+          <p:cNvPr id="10" name="Rectangle 9">
+            <a:extLst>
+              <a:ext uri="{FF2B5EF4-FFF2-40B4-BE49-F238E27FC236}">
+                <a16:creationId xmlns:a16="http://schemas.microsoft.com/office/drawing/2014/main" id="{4DF7D1B6-8AB7-4059-BD9F-815D4E7EE250}"/>
+              </a:ext>
+            </a:extLst>
+          </p:cNvPr>
+          <p:cNvSpPr/>
+          <p:nvPr/>
+        </p:nvSpPr>
+        <p:spPr>
+          <a:xfrm>
+            <a:off x="130929" y="553431"/>
+            <a:ext cx="3262688" cy="369332"/>
+          </a:xfrm>
+          <a:prstGeom prst="rect">
+            <a:avLst/>
+          </a:prstGeom>
+          <a:ln>
+            <a:solidFill>
+              <a:schemeClr val="tx1"/>
+            </a:solidFill>
+          </a:ln>
+        </p:spPr>
+        <p:txBody>
+          <a:bodyPr wrap="square">
+            <a:spAutoFit/>
+          </a:bodyPr>
+          <a:lstStyle/>
+          <a:p>
+            <a:r>
+              <a:rPr lang="en-US" dirty="0"/>
+              <a:t>Compare Differentiation Potency</a:t>
+            </a:r>
+          </a:p>
+        </p:txBody>
+      </p:sp>
+      <p:sp>
+        <p:nvSpPr>
+          <p:cNvPr id="11" name="Rectangle 10">
+            <a:extLst>
+              <a:ext uri="{FF2B5EF4-FFF2-40B4-BE49-F238E27FC236}">
+                <a16:creationId xmlns:a16="http://schemas.microsoft.com/office/drawing/2014/main" id="{F48C7448-FF7D-4D8C-B188-89FDAEF4672E}"/>
+              </a:ext>
+            </a:extLst>
+          </p:cNvPr>
+          <p:cNvSpPr/>
+          <p:nvPr/>
+        </p:nvSpPr>
+        <p:spPr>
+          <a:xfrm>
+            <a:off x="3960547" y="274754"/>
+            <a:ext cx="3584446" cy="646331"/>
+          </a:xfrm>
+          <a:prstGeom prst="rect">
+            <a:avLst/>
+          </a:prstGeom>
+          <a:ln>
+            <a:solidFill>
+              <a:schemeClr val="tx1"/>
+            </a:solidFill>
+          </a:ln>
+        </p:spPr>
+        <p:txBody>
+          <a:bodyPr wrap="square">
+            <a:spAutoFit/>
+          </a:bodyPr>
+          <a:lstStyle/>
+          <a:p>
+            <a:r>
+              <a:rPr lang="en-US" dirty="0"/>
+              <a:t>Run </a:t>
+            </a:r>
+            <a:r>
+              <a:rPr lang="en-US" dirty="0" err="1"/>
+              <a:t>pseudotime</a:t>
+            </a:r>
+            <a:r>
+              <a:rPr lang="en-US" dirty="0"/>
+              <a:t> analysis (Monocle)</a:t>
+            </a:r>
+          </a:p>
+          <a:p>
+            <a:r>
+              <a:rPr lang="en-US" dirty="0"/>
+              <a:t>Plot </a:t>
+            </a:r>
+            <a:r>
+              <a:rPr lang="en-US" dirty="0" err="1"/>
+              <a:t>pseudotime</a:t>
+            </a:r>
+            <a:r>
+              <a:rPr lang="en-US" dirty="0"/>
+              <a:t> trajectory</a:t>
+            </a:r>
+          </a:p>
+        </p:txBody>
+      </p:sp>
+      <p:sp>
+        <p:nvSpPr>
+          <p:cNvPr id="16" name="Rectangle 15">
+            <a:extLst>
+              <a:ext uri="{FF2B5EF4-FFF2-40B4-BE49-F238E27FC236}">
+                <a16:creationId xmlns:a16="http://schemas.microsoft.com/office/drawing/2014/main" id="{4A4ACEDF-75BB-413D-9C26-623091286E98}"/>
+              </a:ext>
+            </a:extLst>
+          </p:cNvPr>
+          <p:cNvSpPr/>
+          <p:nvPr/>
+        </p:nvSpPr>
+        <p:spPr>
+          <a:xfrm>
+            <a:off x="9702622" y="1443020"/>
+            <a:ext cx="2071047" cy="923330"/>
+          </a:xfrm>
+          <a:prstGeom prst="rect">
+            <a:avLst/>
+          </a:prstGeom>
+          <a:ln>
+            <a:solidFill>
+              <a:schemeClr val="tx1"/>
+            </a:solidFill>
+          </a:ln>
+        </p:spPr>
+        <p:txBody>
+          <a:bodyPr wrap="square">
+            <a:spAutoFit/>
+          </a:bodyPr>
+          <a:lstStyle/>
+          <a:p>
+            <a:r>
+              <a:rPr lang="en-US" dirty="0"/>
+              <a:t>Switch marker type</a:t>
+            </a:r>
+          </a:p>
+          <a:p>
+            <a:r>
+              <a:rPr lang="en-US" dirty="0"/>
+              <a:t>Switch color maps</a:t>
+            </a:r>
+          </a:p>
+          <a:p>
+            <a:r>
+              <a:rPr lang="en-US" dirty="0"/>
+              <a:t>Refresh</a:t>
+            </a:r>
+          </a:p>
+        </p:txBody>
+      </p:sp>
+      <p:sp>
+        <p:nvSpPr>
+          <p:cNvPr id="17" name="Rectangle 16">
+            <a:extLst>
+              <a:ext uri="{FF2B5EF4-FFF2-40B4-BE49-F238E27FC236}">
+                <a16:creationId xmlns:a16="http://schemas.microsoft.com/office/drawing/2014/main" id="{09C66DB8-13C8-4DFA-83AE-726E2784D75B}"/>
+              </a:ext>
+            </a:extLst>
+          </p:cNvPr>
+          <p:cNvSpPr/>
+          <p:nvPr/>
+        </p:nvSpPr>
+        <p:spPr>
+          <a:xfrm>
+            <a:off x="9235677" y="4968885"/>
+            <a:ext cx="2206752" cy="646331"/>
+          </a:xfrm>
+          <a:prstGeom prst="rect">
+            <a:avLst/>
+          </a:prstGeom>
+          <a:ln>
+            <a:solidFill>
+              <a:schemeClr val="tx1"/>
+            </a:solidFill>
+          </a:ln>
+        </p:spPr>
+        <p:txBody>
+          <a:bodyPr wrap="square">
+            <a:spAutoFit/>
+          </a:bodyPr>
+          <a:lstStyle/>
+          <a:p>
+            <a:r>
+              <a:rPr lang="en-US" dirty="0"/>
+              <a:t>Delete selected cells</a:t>
+            </a:r>
+          </a:p>
+          <a:p>
+            <a:r>
+              <a:rPr lang="en-US" dirty="0"/>
+              <a:t>Export &amp; save data</a:t>
+            </a:r>
+          </a:p>
+        </p:txBody>
+      </p:sp>
+      <p:sp>
+        <p:nvSpPr>
+          <p:cNvPr id="18" name="Rectangle 17">
+            <a:extLst>
+              <a:ext uri="{FF2B5EF4-FFF2-40B4-BE49-F238E27FC236}">
+                <a16:creationId xmlns:a16="http://schemas.microsoft.com/office/drawing/2014/main" id="{3674DC03-1344-4114-90F9-A50464CE53DA}"/>
+              </a:ext>
+            </a:extLst>
+          </p:cNvPr>
+          <p:cNvSpPr/>
+          <p:nvPr/>
+        </p:nvSpPr>
+        <p:spPr>
+          <a:xfrm>
+            <a:off x="9378739" y="3841180"/>
+            <a:ext cx="1536192" cy="646331"/>
+          </a:xfrm>
+          <a:prstGeom prst="rect">
+            <a:avLst/>
+          </a:prstGeom>
+          <a:ln>
+            <a:solidFill>
+              <a:schemeClr val="tx1"/>
+            </a:solidFill>
+          </a:ln>
+        </p:spPr>
+        <p:txBody>
+          <a:bodyPr wrap="square">
+            <a:spAutoFit/>
+          </a:bodyPr>
+          <a:lstStyle/>
+          <a:p>
+            <a:r>
+              <a:rPr lang="en-US" dirty="0"/>
+              <a:t>Embedding</a:t>
+            </a:r>
+          </a:p>
+          <a:p>
+            <a:r>
+              <a:rPr lang="en-US" dirty="0"/>
+              <a:t>Switch 2D/3D</a:t>
+            </a:r>
+          </a:p>
+        </p:txBody>
+      </p:sp>
+      <p:cxnSp>
+        <p:nvCxnSpPr>
+          <p:cNvPr id="22" name="Straight Connector 21">
+            <a:extLst>
+              <a:ext uri="{FF2B5EF4-FFF2-40B4-BE49-F238E27FC236}">
+                <a16:creationId xmlns:a16="http://schemas.microsoft.com/office/drawing/2014/main" id="{7B6519EA-3934-412C-A788-0A8C7DA8C73C}"/>
+              </a:ext>
+            </a:extLst>
+          </p:cNvPr>
+          <p:cNvCxnSpPr>
+            <a:cxnSpLocks/>
+          </p:cNvCxnSpPr>
+          <p:nvPr/>
+        </p:nvCxnSpPr>
+        <p:spPr>
+          <a:xfrm>
+            <a:off x="3393617" y="937926"/>
+            <a:ext cx="1725168" cy="2309122"/>
+          </a:xfrm>
+          <a:prstGeom prst="line">
+            <a:avLst/>
+          </a:prstGeom>
+          <a:ln w="9525">
+            <a:solidFill>
+              <a:schemeClr val="tx1"/>
+            </a:solidFill>
+          </a:ln>
+        </p:spPr>
+        <p:style>
+          <a:lnRef idx="1">
+            <a:schemeClr val="accent1"/>
+          </a:lnRef>
+          <a:fillRef idx="0">
+            <a:schemeClr val="accent1"/>
+          </a:fillRef>
+          <a:effectRef idx="0">
+            <a:schemeClr val="accent1"/>
+          </a:effectRef>
+          <a:fontRef idx="minor">
+            <a:schemeClr val="tx1"/>
+          </a:fontRef>
+        </p:style>
+      </p:cxnSp>
+      <p:cxnSp>
+        <p:nvCxnSpPr>
+          <p:cNvPr id="24" name="Straight Connector 23">
+            <a:extLst>
+              <a:ext uri="{FF2B5EF4-FFF2-40B4-BE49-F238E27FC236}">
+                <a16:creationId xmlns:a16="http://schemas.microsoft.com/office/drawing/2014/main" id="{8E029B41-B575-46D1-A6BD-7E01E23F50FA}"/>
+              </a:ext>
+            </a:extLst>
+          </p:cNvPr>
+          <p:cNvCxnSpPr>
+            <a:cxnSpLocks/>
+            <a:endCxn id="94" idx="1"/>
+          </p:cNvCxnSpPr>
+          <p:nvPr/>
+        </p:nvCxnSpPr>
+        <p:spPr>
+          <a:xfrm>
+            <a:off x="4648838" y="921085"/>
+            <a:ext cx="858080" cy="2231619"/>
+          </a:xfrm>
+          <a:prstGeom prst="line">
+            <a:avLst/>
+          </a:prstGeom>
+          <a:ln w="9525">
+            <a:solidFill>
+              <a:schemeClr val="tx1"/>
+            </a:solidFill>
+          </a:ln>
+        </p:spPr>
+        <p:style>
+          <a:lnRef idx="1">
+            <a:schemeClr val="accent1"/>
+          </a:lnRef>
+          <a:fillRef idx="0">
+            <a:schemeClr val="accent1"/>
+          </a:fillRef>
+          <a:effectRef idx="0">
+            <a:schemeClr val="accent1"/>
+          </a:effectRef>
+          <a:fontRef idx="minor">
+            <a:schemeClr val="tx1"/>
+          </a:fontRef>
+        </p:style>
+      </p:cxnSp>
+      <p:cxnSp>
+        <p:nvCxnSpPr>
+          <p:cNvPr id="27" name="Straight Connector 26">
+            <a:extLst>
+              <a:ext uri="{FF2B5EF4-FFF2-40B4-BE49-F238E27FC236}">
+                <a16:creationId xmlns:a16="http://schemas.microsoft.com/office/drawing/2014/main" id="{AE228A22-7298-4D37-BBB9-CB31D099A8A0}"/>
+              </a:ext>
+            </a:extLst>
+          </p:cNvPr>
+          <p:cNvCxnSpPr>
+            <a:cxnSpLocks/>
+            <a:stCxn id="12" idx="2"/>
+            <a:endCxn id="91" idx="1"/>
+          </p:cNvCxnSpPr>
+          <p:nvPr/>
+        </p:nvCxnSpPr>
+        <p:spPr>
+          <a:xfrm flipH="1">
+            <a:off x="6091128" y="2350644"/>
+            <a:ext cx="1012481" cy="802060"/>
+          </a:xfrm>
+          <a:prstGeom prst="line">
+            <a:avLst/>
+          </a:prstGeom>
+          <a:ln w="9525">
+            <a:solidFill>
+              <a:schemeClr val="tx1"/>
+            </a:solidFill>
+          </a:ln>
+        </p:spPr>
+        <p:style>
+          <a:lnRef idx="1">
+            <a:schemeClr val="accent1"/>
+          </a:lnRef>
+          <a:fillRef idx="0">
+            <a:schemeClr val="accent1"/>
+          </a:fillRef>
+          <a:effectRef idx="0">
+            <a:schemeClr val="accent1"/>
+          </a:effectRef>
+          <a:fontRef idx="minor">
+            <a:schemeClr val="tx1"/>
+          </a:fontRef>
+        </p:style>
+      </p:cxnSp>
+      <p:cxnSp>
+        <p:nvCxnSpPr>
+          <p:cNvPr id="30" name="Straight Connector 29">
+            <a:extLst>
+              <a:ext uri="{FF2B5EF4-FFF2-40B4-BE49-F238E27FC236}">
+                <a16:creationId xmlns:a16="http://schemas.microsoft.com/office/drawing/2014/main" id="{B70C2D95-59E5-4B8F-A47A-18CCA1868F49}"/>
+              </a:ext>
+            </a:extLst>
+          </p:cNvPr>
+          <p:cNvCxnSpPr>
+            <a:cxnSpLocks/>
+            <a:stCxn id="16" idx="2"/>
+            <a:endCxn id="88" idx="1"/>
+          </p:cNvCxnSpPr>
+          <p:nvPr/>
+        </p:nvCxnSpPr>
+        <p:spPr>
+          <a:xfrm flipH="1">
+            <a:off x="7344734" y="2366350"/>
+            <a:ext cx="3393412" cy="1009232"/>
+          </a:xfrm>
+          <a:prstGeom prst="line">
+            <a:avLst/>
+          </a:prstGeom>
+          <a:ln w="9525">
+            <a:solidFill>
+              <a:schemeClr val="tx1"/>
+            </a:solidFill>
+          </a:ln>
+        </p:spPr>
+        <p:style>
+          <a:lnRef idx="1">
+            <a:schemeClr val="accent1"/>
+          </a:lnRef>
+          <a:fillRef idx="0">
+            <a:schemeClr val="accent1"/>
+          </a:fillRef>
+          <a:effectRef idx="0">
+            <a:schemeClr val="accent1"/>
+          </a:effectRef>
+          <a:fontRef idx="minor">
+            <a:schemeClr val="tx1"/>
+          </a:fontRef>
+        </p:style>
+      </p:cxnSp>
+      <p:cxnSp>
+        <p:nvCxnSpPr>
+          <p:cNvPr id="36" name="Straight Connector 35">
+            <a:extLst>
+              <a:ext uri="{FF2B5EF4-FFF2-40B4-BE49-F238E27FC236}">
+                <a16:creationId xmlns:a16="http://schemas.microsoft.com/office/drawing/2014/main" id="{2B417BCA-770A-4B01-9481-01F74D142CE1}"/>
+              </a:ext>
+            </a:extLst>
+          </p:cNvPr>
+          <p:cNvCxnSpPr>
+            <a:cxnSpLocks/>
+            <a:stCxn id="6" idx="2"/>
+            <a:endCxn id="84" idx="1"/>
+          </p:cNvCxnSpPr>
+          <p:nvPr/>
+        </p:nvCxnSpPr>
+        <p:spPr>
+          <a:xfrm>
+            <a:off x="1762273" y="2315777"/>
+            <a:ext cx="1475380" cy="1081697"/>
+          </a:xfrm>
+          <a:prstGeom prst="line">
+            <a:avLst/>
+          </a:prstGeom>
+          <a:ln w="9525">
+            <a:solidFill>
+              <a:schemeClr val="tx1"/>
+            </a:solidFill>
+          </a:ln>
+        </p:spPr>
+        <p:style>
+          <a:lnRef idx="1">
+            <a:schemeClr val="accent1"/>
+          </a:lnRef>
+          <a:fillRef idx="0">
+            <a:schemeClr val="accent1"/>
+          </a:fillRef>
+          <a:effectRef idx="0">
+            <a:schemeClr val="accent1"/>
+          </a:effectRef>
+          <a:fontRef idx="minor">
+            <a:schemeClr val="tx1"/>
+          </a:fontRef>
+        </p:style>
+      </p:cxnSp>
+      <p:cxnSp>
+        <p:nvCxnSpPr>
+          <p:cNvPr id="39" name="Straight Connector 38">
+            <a:extLst>
+              <a:ext uri="{FF2B5EF4-FFF2-40B4-BE49-F238E27FC236}">
+                <a16:creationId xmlns:a16="http://schemas.microsoft.com/office/drawing/2014/main" id="{6F49156A-8FD3-426F-9D1A-7BC2C55C2B6D}"/>
+              </a:ext>
+            </a:extLst>
+          </p:cNvPr>
+          <p:cNvCxnSpPr>
+            <a:cxnSpLocks/>
+            <a:endCxn id="66" idx="1"/>
+          </p:cNvCxnSpPr>
+          <p:nvPr/>
+        </p:nvCxnSpPr>
+        <p:spPr>
+          <a:xfrm flipV="1">
+            <a:off x="3051956" y="3841181"/>
+            <a:ext cx="970501" cy="381518"/>
+          </a:xfrm>
+          <a:prstGeom prst="line">
+            <a:avLst/>
+          </a:prstGeom>
+          <a:ln w="9525">
+            <a:solidFill>
+              <a:schemeClr val="tx1"/>
+            </a:solidFill>
+          </a:ln>
+        </p:spPr>
+        <p:style>
+          <a:lnRef idx="1">
+            <a:schemeClr val="accent1"/>
+          </a:lnRef>
+          <a:fillRef idx="0">
+            <a:schemeClr val="accent1"/>
+          </a:fillRef>
+          <a:effectRef idx="0">
+            <a:schemeClr val="accent1"/>
+          </a:effectRef>
+          <a:fontRef idx="minor">
+            <a:schemeClr val="tx1"/>
+          </a:fontRef>
+        </p:style>
+      </p:cxnSp>
+      <p:cxnSp>
+        <p:nvCxnSpPr>
+          <p:cNvPr id="42" name="Straight Connector 41">
+            <a:extLst>
+              <a:ext uri="{FF2B5EF4-FFF2-40B4-BE49-F238E27FC236}">
+                <a16:creationId xmlns:a16="http://schemas.microsoft.com/office/drawing/2014/main" id="{4294595C-7BC9-46BF-9B33-FB40625D7DD1}"/>
+              </a:ext>
+            </a:extLst>
+          </p:cNvPr>
+          <p:cNvCxnSpPr>
+            <a:cxnSpLocks/>
+            <a:stCxn id="8" idx="0"/>
+            <a:endCxn id="69" idx="1"/>
+          </p:cNvCxnSpPr>
+          <p:nvPr/>
+        </p:nvCxnSpPr>
+        <p:spPr>
+          <a:xfrm flipV="1">
+            <a:off x="3635367" y="3841180"/>
+            <a:ext cx="1066747" cy="1942740"/>
+          </a:xfrm>
+          <a:prstGeom prst="line">
+            <a:avLst/>
+          </a:prstGeom>
+          <a:ln w="9525">
+            <a:solidFill>
+              <a:schemeClr val="tx1"/>
+            </a:solidFill>
+          </a:ln>
+        </p:spPr>
+        <p:style>
+          <a:lnRef idx="1">
+            <a:schemeClr val="accent1"/>
+          </a:lnRef>
+          <a:fillRef idx="0">
+            <a:schemeClr val="accent1"/>
+          </a:fillRef>
+          <a:effectRef idx="0">
+            <a:schemeClr val="accent1"/>
+          </a:effectRef>
+          <a:fontRef idx="minor">
+            <a:schemeClr val="tx1"/>
+          </a:fontRef>
+        </p:style>
+      </p:cxnSp>
+      <p:cxnSp>
+        <p:nvCxnSpPr>
+          <p:cNvPr id="45" name="Straight Connector 44">
+            <a:extLst>
+              <a:ext uri="{FF2B5EF4-FFF2-40B4-BE49-F238E27FC236}">
+                <a16:creationId xmlns:a16="http://schemas.microsoft.com/office/drawing/2014/main" id="{03CDB2C7-61EE-4C67-AA18-C26C85FAE8E7}"/>
+              </a:ext>
+            </a:extLst>
+          </p:cNvPr>
+          <p:cNvCxnSpPr>
+            <a:cxnSpLocks/>
+            <a:stCxn id="9" idx="0"/>
+            <a:endCxn id="77" idx="1"/>
+          </p:cNvCxnSpPr>
+          <p:nvPr/>
+        </p:nvCxnSpPr>
+        <p:spPr>
+          <a:xfrm flipH="1" flipV="1">
+            <a:off x="5499001" y="3848132"/>
+            <a:ext cx="1716046" cy="1103786"/>
+          </a:xfrm>
+          <a:prstGeom prst="line">
+            <a:avLst/>
+          </a:prstGeom>
+          <a:ln w="9525">
+            <a:solidFill>
+              <a:schemeClr val="tx1"/>
+            </a:solidFill>
+          </a:ln>
+        </p:spPr>
+        <p:style>
+          <a:lnRef idx="1">
+            <a:schemeClr val="accent1"/>
+          </a:lnRef>
+          <a:fillRef idx="0">
+            <a:schemeClr val="accent1"/>
+          </a:fillRef>
+          <a:effectRef idx="0">
+            <a:schemeClr val="accent1"/>
+          </a:effectRef>
+          <a:fontRef idx="minor">
+            <a:schemeClr val="tx1"/>
+          </a:fontRef>
+        </p:style>
+      </p:cxnSp>
+      <p:cxnSp>
+        <p:nvCxnSpPr>
+          <p:cNvPr id="48" name="Straight Connector 47">
+            <a:extLst>
+              <a:ext uri="{FF2B5EF4-FFF2-40B4-BE49-F238E27FC236}">
+                <a16:creationId xmlns:a16="http://schemas.microsoft.com/office/drawing/2014/main" id="{A6E7DCC0-1D2E-44A3-B106-D55CDA551F13}"/>
+              </a:ext>
+            </a:extLst>
+          </p:cNvPr>
+          <p:cNvCxnSpPr>
+            <a:cxnSpLocks/>
+            <a:endCxn id="80" idx="1"/>
+          </p:cNvCxnSpPr>
+          <p:nvPr/>
+        </p:nvCxnSpPr>
+        <p:spPr>
+          <a:xfrm flipH="1" flipV="1">
+            <a:off x="6288743" y="3830680"/>
+            <a:ext cx="3089996" cy="1122244"/>
+          </a:xfrm>
+          <a:prstGeom prst="line">
+            <a:avLst/>
+          </a:prstGeom>
+          <a:ln w="9525">
+            <a:solidFill>
+              <a:schemeClr val="tx1"/>
+            </a:solidFill>
+          </a:ln>
+        </p:spPr>
+        <p:style>
+          <a:lnRef idx="1">
+            <a:schemeClr val="accent1"/>
+          </a:lnRef>
+          <a:fillRef idx="0">
+            <a:schemeClr val="accent1"/>
+          </a:fillRef>
+          <a:effectRef idx="0">
+            <a:schemeClr val="accent1"/>
+          </a:effectRef>
+          <a:fontRef idx="minor">
+            <a:schemeClr val="tx1"/>
+          </a:fontRef>
+        </p:style>
+      </p:cxnSp>
+      <p:cxnSp>
+        <p:nvCxnSpPr>
+          <p:cNvPr id="58" name="Straight Connector 57">
+            <a:extLst>
+              <a:ext uri="{FF2B5EF4-FFF2-40B4-BE49-F238E27FC236}">
+                <a16:creationId xmlns:a16="http://schemas.microsoft.com/office/drawing/2014/main" id="{27158A3E-639A-4910-9389-6FE23E52830B}"/>
+              </a:ext>
+            </a:extLst>
+          </p:cNvPr>
+          <p:cNvCxnSpPr>
+            <a:cxnSpLocks/>
+            <a:stCxn id="18" idx="1"/>
+            <a:endCxn id="82" idx="1"/>
+          </p:cNvCxnSpPr>
+          <p:nvPr/>
+        </p:nvCxnSpPr>
+        <p:spPr>
+          <a:xfrm flipH="1" flipV="1">
+            <a:off x="6763097" y="3838190"/>
+            <a:ext cx="2615642" cy="326156"/>
+          </a:xfrm>
+          <a:prstGeom prst="line">
+            <a:avLst/>
+          </a:prstGeom>
+          <a:ln w="9525">
+            <a:solidFill>
+              <a:schemeClr val="tx1"/>
+            </a:solidFill>
+          </a:ln>
+        </p:spPr>
+        <p:style>
+          <a:lnRef idx="1">
+            <a:schemeClr val="accent1"/>
+          </a:lnRef>
+          <a:fillRef idx="0">
+            <a:schemeClr val="accent1"/>
+          </a:fillRef>
+          <a:effectRef idx="0">
+            <a:schemeClr val="accent1"/>
+          </a:effectRef>
+          <a:fontRef idx="minor">
+            <a:schemeClr val="tx1"/>
+          </a:fontRef>
+        </p:style>
+      </p:cxnSp>
+      <p:sp>
+        <p:nvSpPr>
+          <p:cNvPr id="66" name="Left Brace 65">
+            <a:extLst>
+              <a:ext uri="{FF2B5EF4-FFF2-40B4-BE49-F238E27FC236}">
+                <a16:creationId xmlns:a16="http://schemas.microsoft.com/office/drawing/2014/main" id="{D80660CA-966E-4262-8B92-B3559B19822E}"/>
+              </a:ext>
+            </a:extLst>
+          </p:cNvPr>
+          <p:cNvSpPr/>
+          <p:nvPr/>
+        </p:nvSpPr>
+        <p:spPr>
+          <a:xfrm rot="16200000">
+            <a:off x="3960232" y="3391866"/>
+            <a:ext cx="124450" cy="774180"/>
+          </a:xfrm>
+          <a:prstGeom prst="leftBrace">
+            <a:avLst/>
+          </a:prstGeom>
+          <a:ln w="12700">
+            <a:solidFill>
+              <a:srgbClr val="FF0000"/>
+            </a:solidFill>
+          </a:ln>
+          <a:effectLst>
+            <a:outerShdw blurRad="63500" sx="102000" sy="102000" algn="ctr" rotWithShape="0">
+              <a:prstClr val="black">
+                <a:alpha val="40000"/>
+              </a:prstClr>
+            </a:outerShdw>
+          </a:effectLst>
+        </p:spPr>
+        <p:style>
+          <a:lnRef idx="1">
+            <a:schemeClr val="accent1"/>
+          </a:lnRef>
+          <a:fillRef idx="0">
+            <a:schemeClr val="accent1"/>
+          </a:fillRef>
+          <a:effectRef idx="0">
+            <a:schemeClr val="accent1"/>
+          </a:effectRef>
+          <a:fontRef idx="minor">
+            <a:schemeClr val="tx1"/>
+          </a:fontRef>
+        </p:style>
+        <p:txBody>
+          <a:bodyPr rtlCol="0" anchor="ctr"/>
+          <a:lstStyle/>
+          <a:p>
+            <a:pPr algn="ctr"/>
+            <a:endParaRPr lang="en-US"/>
+          </a:p>
+        </p:txBody>
+      </p:sp>
+      <p:sp>
+        <p:nvSpPr>
+          <p:cNvPr id="69" name="Left Brace 68">
+            <a:extLst>
+              <a:ext uri="{FF2B5EF4-FFF2-40B4-BE49-F238E27FC236}">
+                <a16:creationId xmlns:a16="http://schemas.microsoft.com/office/drawing/2014/main" id="{F2CD7FBD-53D2-4955-B044-DE5B4E12FEA2}"/>
+              </a:ext>
+            </a:extLst>
+          </p:cNvPr>
+          <p:cNvSpPr/>
+          <p:nvPr/>
+        </p:nvSpPr>
+        <p:spPr>
+          <a:xfrm rot="16200000">
+            <a:off x="4639889" y="3589097"/>
+            <a:ext cx="124450" cy="379716"/>
+          </a:xfrm>
+          <a:prstGeom prst="leftBrace">
+            <a:avLst/>
+          </a:prstGeom>
+          <a:ln w="12700">
+            <a:solidFill>
+              <a:srgbClr val="FF0000"/>
+            </a:solidFill>
+          </a:ln>
+          <a:effectLst>
+            <a:outerShdw blurRad="63500" sx="102000" sy="102000" algn="ctr" rotWithShape="0">
+              <a:prstClr val="black">
+                <a:alpha val="40000"/>
+              </a:prstClr>
+            </a:outerShdw>
+          </a:effectLst>
+        </p:spPr>
+        <p:style>
+          <a:lnRef idx="1">
+            <a:schemeClr val="accent1"/>
+          </a:lnRef>
+          <a:fillRef idx="0">
+            <a:schemeClr val="accent1"/>
+          </a:fillRef>
+          <a:effectRef idx="0">
+            <a:schemeClr val="accent1"/>
+          </a:effectRef>
+          <a:fontRef idx="minor">
+            <a:schemeClr val="tx1"/>
+          </a:fontRef>
+        </p:style>
+        <p:txBody>
+          <a:bodyPr rtlCol="0" anchor="ctr"/>
+          <a:lstStyle/>
+          <a:p>
+            <a:pPr algn="ctr"/>
+            <a:endParaRPr lang="en-US"/>
+          </a:p>
+        </p:txBody>
+      </p:sp>
+      <p:sp>
+        <p:nvSpPr>
+          <p:cNvPr id="77" name="Left Brace 76">
+            <a:extLst>
+              <a:ext uri="{FF2B5EF4-FFF2-40B4-BE49-F238E27FC236}">
+                <a16:creationId xmlns:a16="http://schemas.microsoft.com/office/drawing/2014/main" id="{4F9E248D-9ADF-4DDE-913C-B10B29BBF2BA}"/>
+              </a:ext>
+            </a:extLst>
+          </p:cNvPr>
+          <p:cNvSpPr/>
+          <p:nvPr/>
+        </p:nvSpPr>
+        <p:spPr>
+          <a:xfrm rot="16200000">
+            <a:off x="5436775" y="3289007"/>
+            <a:ext cx="124450" cy="993799"/>
+          </a:xfrm>
+          <a:prstGeom prst="leftBrace">
+            <a:avLst/>
+          </a:prstGeom>
+          <a:ln w="12700">
+            <a:solidFill>
+              <a:srgbClr val="FF0000"/>
+            </a:solidFill>
+          </a:ln>
+          <a:effectLst>
+            <a:outerShdw blurRad="63500" sx="102000" sy="102000" algn="ctr" rotWithShape="0">
+              <a:prstClr val="black">
+                <a:alpha val="40000"/>
+              </a:prstClr>
+            </a:outerShdw>
+          </a:effectLst>
+        </p:spPr>
+        <p:style>
+          <a:lnRef idx="1">
+            <a:schemeClr val="accent1"/>
+          </a:lnRef>
+          <a:fillRef idx="0">
+            <a:schemeClr val="accent1"/>
+          </a:fillRef>
+          <a:effectRef idx="0">
+            <a:schemeClr val="accent1"/>
+          </a:effectRef>
+          <a:fontRef idx="minor">
+            <a:schemeClr val="tx1"/>
+          </a:fontRef>
+        </p:style>
+        <p:txBody>
+          <a:bodyPr rtlCol="0" anchor="ctr"/>
+          <a:lstStyle/>
+          <a:p>
+            <a:pPr algn="ctr"/>
+            <a:endParaRPr lang="en-US"/>
+          </a:p>
+        </p:txBody>
+      </p:sp>
+      <p:sp>
+        <p:nvSpPr>
+          <p:cNvPr id="80" name="Left Brace 79">
+            <a:extLst>
+              <a:ext uri="{FF2B5EF4-FFF2-40B4-BE49-F238E27FC236}">
+                <a16:creationId xmlns:a16="http://schemas.microsoft.com/office/drawing/2014/main" id="{1C77A2A5-7103-4C57-88C3-E3E54A18DB79}"/>
+              </a:ext>
+            </a:extLst>
+          </p:cNvPr>
+          <p:cNvSpPr/>
+          <p:nvPr/>
+        </p:nvSpPr>
+        <p:spPr>
+          <a:xfrm rot="16200000">
+            <a:off x="6226518" y="3578597"/>
+            <a:ext cx="124450" cy="379716"/>
+          </a:xfrm>
+          <a:prstGeom prst="leftBrace">
+            <a:avLst/>
+          </a:prstGeom>
+          <a:ln w="12700">
+            <a:solidFill>
+              <a:srgbClr val="FF0000"/>
+            </a:solidFill>
+          </a:ln>
+          <a:effectLst>
+            <a:outerShdw blurRad="63500" sx="102000" sy="102000" algn="ctr" rotWithShape="0">
+              <a:prstClr val="black">
+                <a:alpha val="40000"/>
+              </a:prstClr>
+            </a:outerShdw>
+          </a:effectLst>
+        </p:spPr>
+        <p:style>
+          <a:lnRef idx="1">
+            <a:schemeClr val="accent1"/>
+          </a:lnRef>
+          <a:fillRef idx="0">
+            <a:schemeClr val="accent1"/>
+          </a:fillRef>
+          <a:effectRef idx="0">
+            <a:schemeClr val="accent1"/>
+          </a:effectRef>
+          <a:fontRef idx="minor">
+            <a:schemeClr val="tx1"/>
+          </a:fontRef>
+        </p:style>
+        <p:txBody>
+          <a:bodyPr rtlCol="0" anchor="ctr"/>
+          <a:lstStyle/>
+          <a:p>
+            <a:pPr algn="ctr"/>
+            <a:endParaRPr lang="en-US"/>
+          </a:p>
+        </p:txBody>
+      </p:sp>
+      <p:sp>
+        <p:nvSpPr>
+          <p:cNvPr id="82" name="Left Brace 81">
+            <a:extLst>
+              <a:ext uri="{FF2B5EF4-FFF2-40B4-BE49-F238E27FC236}">
+                <a16:creationId xmlns:a16="http://schemas.microsoft.com/office/drawing/2014/main" id="{C8159753-7463-427A-93B1-DB05A430906A}"/>
+              </a:ext>
+            </a:extLst>
+          </p:cNvPr>
+          <p:cNvSpPr/>
+          <p:nvPr/>
+        </p:nvSpPr>
+        <p:spPr>
+          <a:xfrm rot="16200000">
+            <a:off x="6700872" y="3586107"/>
+            <a:ext cx="124450" cy="379716"/>
+          </a:xfrm>
+          <a:prstGeom prst="leftBrace">
+            <a:avLst/>
+          </a:prstGeom>
+          <a:ln w="12700">
+            <a:solidFill>
+              <a:srgbClr val="FF0000"/>
+            </a:solidFill>
+          </a:ln>
+          <a:effectLst>
+            <a:outerShdw blurRad="63500" sx="102000" sy="102000" algn="ctr" rotWithShape="0">
+              <a:prstClr val="black">
+                <a:alpha val="40000"/>
+              </a:prstClr>
+            </a:outerShdw>
+          </a:effectLst>
+        </p:spPr>
+        <p:style>
+          <a:lnRef idx="1">
+            <a:schemeClr val="accent1"/>
+          </a:lnRef>
+          <a:fillRef idx="0">
+            <a:schemeClr val="accent1"/>
+          </a:fillRef>
+          <a:effectRef idx="0">
+            <a:schemeClr val="accent1"/>
+          </a:effectRef>
+          <a:fontRef idx="minor">
+            <a:schemeClr val="tx1"/>
+          </a:fontRef>
+        </p:style>
+        <p:txBody>
+          <a:bodyPr rtlCol="0" anchor="ctr"/>
+          <a:lstStyle/>
+          <a:p>
+            <a:pPr algn="ctr"/>
+            <a:endParaRPr lang="en-US"/>
+          </a:p>
+        </p:txBody>
+      </p:sp>
+      <p:sp>
+        <p:nvSpPr>
+          <p:cNvPr id="84" name="Left Brace 83">
+            <a:extLst>
+              <a:ext uri="{FF2B5EF4-FFF2-40B4-BE49-F238E27FC236}">
+                <a16:creationId xmlns:a16="http://schemas.microsoft.com/office/drawing/2014/main" id="{1D31B13B-D717-4841-9D03-BD395FD2ED19}"/>
+              </a:ext>
+            </a:extLst>
+          </p:cNvPr>
+          <p:cNvSpPr/>
+          <p:nvPr/>
+        </p:nvSpPr>
+        <p:spPr>
+          <a:xfrm rot="5400000">
+            <a:off x="3175428" y="3135229"/>
+            <a:ext cx="124450" cy="648940"/>
+          </a:xfrm>
+          <a:prstGeom prst="leftBrace">
+            <a:avLst/>
+          </a:prstGeom>
+          <a:ln w="12700">
+            <a:solidFill>
+              <a:srgbClr val="FF0000"/>
+            </a:solidFill>
+          </a:ln>
+          <a:effectLst>
+            <a:outerShdw blurRad="63500" sx="102000" sy="102000" algn="ctr" rotWithShape="0">
+              <a:prstClr val="black">
+                <a:alpha val="40000"/>
+              </a:prstClr>
+            </a:outerShdw>
+          </a:effectLst>
+        </p:spPr>
+        <p:style>
+          <a:lnRef idx="1">
+            <a:schemeClr val="accent1"/>
+          </a:lnRef>
+          <a:fillRef idx="0">
+            <a:schemeClr val="accent1"/>
+          </a:fillRef>
+          <a:effectRef idx="0">
+            <a:schemeClr val="accent1"/>
+          </a:effectRef>
+          <a:fontRef idx="minor">
+            <a:schemeClr val="tx1"/>
+          </a:fontRef>
+        </p:style>
+        <p:txBody>
+          <a:bodyPr rtlCol="0" anchor="ctr"/>
+          <a:lstStyle/>
+          <a:p>
+            <a:pPr algn="ctr"/>
+            <a:endParaRPr lang="en-US"/>
+          </a:p>
+        </p:txBody>
+      </p:sp>
+      <p:sp>
+        <p:nvSpPr>
+          <p:cNvPr id="88" name="Left Brace 87">
+            <a:extLst>
+              <a:ext uri="{FF2B5EF4-FFF2-40B4-BE49-F238E27FC236}">
+                <a16:creationId xmlns:a16="http://schemas.microsoft.com/office/drawing/2014/main" id="{95651FDE-3340-4DDB-98F0-8CD7F6726130}"/>
+              </a:ext>
+            </a:extLst>
+          </p:cNvPr>
+          <p:cNvSpPr/>
+          <p:nvPr/>
+        </p:nvSpPr>
+        <p:spPr>
+          <a:xfrm rot="5400000">
+            <a:off x="7282509" y="3113337"/>
+            <a:ext cx="124450" cy="648940"/>
+          </a:xfrm>
+          <a:prstGeom prst="leftBrace">
+            <a:avLst/>
+          </a:prstGeom>
+          <a:ln w="12700">
+            <a:solidFill>
+              <a:srgbClr val="FF0000"/>
+            </a:solidFill>
+          </a:ln>
+          <a:effectLst>
+            <a:outerShdw blurRad="50800" dist="38100" algn="l" rotWithShape="0">
+              <a:prstClr val="black">
+                <a:alpha val="40000"/>
+              </a:prstClr>
+            </a:outerShdw>
+          </a:effectLst>
+        </p:spPr>
+        <p:style>
+          <a:lnRef idx="1">
+            <a:schemeClr val="accent1"/>
+          </a:lnRef>
+          <a:fillRef idx="0">
+            <a:schemeClr val="accent1"/>
+          </a:fillRef>
+          <a:effectRef idx="0">
+            <a:schemeClr val="accent1"/>
+          </a:effectRef>
+          <a:fontRef idx="minor">
+            <a:schemeClr val="tx1"/>
+          </a:fontRef>
+        </p:style>
+        <p:txBody>
+          <a:bodyPr rtlCol="0" anchor="ctr"/>
+          <a:lstStyle/>
+          <a:p>
+            <a:pPr algn="ctr"/>
+            <a:endParaRPr lang="en-US"/>
+          </a:p>
+        </p:txBody>
+      </p:sp>
+      <p:sp>
+        <p:nvSpPr>
+          <p:cNvPr id="91" name="Left Brace 90">
+            <a:extLst>
+              <a:ext uri="{FF2B5EF4-FFF2-40B4-BE49-F238E27FC236}">
+                <a16:creationId xmlns:a16="http://schemas.microsoft.com/office/drawing/2014/main" id="{9DD576A6-B909-4DB7-9E58-10E587670A5F}"/>
+              </a:ext>
+            </a:extLst>
+          </p:cNvPr>
+          <p:cNvSpPr/>
+          <p:nvPr/>
+        </p:nvSpPr>
+        <p:spPr>
+          <a:xfrm rot="5400000">
+            <a:off x="6028903" y="2918137"/>
+            <a:ext cx="124450" cy="593584"/>
+          </a:xfrm>
+          <a:prstGeom prst="leftBrace">
+            <a:avLst/>
+          </a:prstGeom>
+          <a:ln w="12700">
+            <a:solidFill>
+              <a:srgbClr val="FF0000"/>
+            </a:solidFill>
+          </a:ln>
+          <a:effectLst>
+            <a:outerShdw blurRad="50800" dist="38100" algn="l" rotWithShape="0">
+              <a:prstClr val="black">
+                <a:alpha val="40000"/>
+              </a:prstClr>
+            </a:outerShdw>
+          </a:effectLst>
+        </p:spPr>
+        <p:style>
+          <a:lnRef idx="1">
+            <a:schemeClr val="accent1"/>
+          </a:lnRef>
+          <a:fillRef idx="0">
+            <a:schemeClr val="accent1"/>
+          </a:fillRef>
+          <a:effectRef idx="0">
+            <a:schemeClr val="accent1"/>
+          </a:effectRef>
+          <a:fontRef idx="minor">
+            <a:schemeClr val="tx1"/>
+          </a:fontRef>
+        </p:style>
+        <p:txBody>
+          <a:bodyPr rtlCol="0" anchor="ctr"/>
+          <a:lstStyle/>
+          <a:p>
+            <a:pPr algn="ctr"/>
+            <a:endParaRPr lang="en-US"/>
+          </a:p>
+        </p:txBody>
+      </p:sp>
+      <p:sp>
+        <p:nvSpPr>
+          <p:cNvPr id="94" name="Left Brace 93">
+            <a:extLst>
+              <a:ext uri="{FF2B5EF4-FFF2-40B4-BE49-F238E27FC236}">
+                <a16:creationId xmlns:a16="http://schemas.microsoft.com/office/drawing/2014/main" id="{2926FF7B-22DF-4178-AA6C-BE87B974B93A}"/>
+              </a:ext>
+            </a:extLst>
+          </p:cNvPr>
+          <p:cNvSpPr/>
+          <p:nvPr/>
+        </p:nvSpPr>
+        <p:spPr>
+          <a:xfrm rot="5400000">
+            <a:off x="5444693" y="3025071"/>
+            <a:ext cx="124450" cy="379716"/>
+          </a:xfrm>
+          <a:prstGeom prst="leftBrace">
+            <a:avLst/>
+          </a:prstGeom>
+          <a:ln w="12700">
+            <a:solidFill>
+              <a:srgbClr val="FF0000"/>
+            </a:solidFill>
+          </a:ln>
+          <a:effectLst>
+            <a:outerShdw blurRad="50800" dist="38100" algn="l" rotWithShape="0">
+              <a:prstClr val="black">
+                <a:alpha val="40000"/>
+              </a:prstClr>
+            </a:outerShdw>
+          </a:effectLst>
+        </p:spPr>
+        <p:style>
+          <a:lnRef idx="1">
+            <a:schemeClr val="accent1"/>
+          </a:lnRef>
+          <a:fillRef idx="0">
+            <a:schemeClr val="accent1"/>
+          </a:fillRef>
+          <a:effectRef idx="0">
+            <a:schemeClr val="accent1"/>
+          </a:effectRef>
+          <a:fontRef idx="minor">
+            <a:schemeClr val="tx1"/>
+          </a:fontRef>
+        </p:style>
+        <p:txBody>
+          <a:bodyPr rtlCol="0" anchor="ctr"/>
+          <a:lstStyle/>
+          <a:p>
+            <a:pPr algn="ctr"/>
+            <a:endParaRPr lang="en-US"/>
+          </a:p>
+        </p:txBody>
+      </p:sp>
+      <p:sp>
+        <p:nvSpPr>
+          <p:cNvPr id="34" name="Rectangle 33">
+            <a:extLst>
+              <a:ext uri="{FF2B5EF4-FFF2-40B4-BE49-F238E27FC236}">
+                <a16:creationId xmlns:a16="http://schemas.microsoft.com/office/drawing/2014/main" id="{81509231-716B-4D96-BFB0-6C35B61D7FDB}"/>
+              </a:ext>
+            </a:extLst>
+          </p:cNvPr>
+          <p:cNvSpPr/>
+          <p:nvPr/>
+        </p:nvSpPr>
+        <p:spPr>
+          <a:xfrm>
+            <a:off x="8070918" y="426568"/>
+            <a:ext cx="3727588" cy="646331"/>
+          </a:xfrm>
+          <a:prstGeom prst="rect">
+            <a:avLst/>
+          </a:prstGeom>
+          <a:ln>
+            <a:solidFill>
+              <a:schemeClr val="tx1"/>
+            </a:solidFill>
+          </a:ln>
+        </p:spPr>
+        <p:txBody>
+          <a:bodyPr wrap="square">
+            <a:spAutoFit/>
+          </a:bodyPr>
+          <a:lstStyle/>
+          <a:p>
+            <a:r>
+              <a:rPr lang="en-US" dirty="0"/>
+              <a:t>Build Gene Regulatory Network (GRN)</a:t>
+            </a:r>
+          </a:p>
+          <a:p>
+            <a:r>
+              <a:rPr lang="en-US" dirty="0"/>
+              <a:t>Compare 2 Networks</a:t>
+            </a:r>
+          </a:p>
+        </p:txBody>
+      </p:sp>
+      <p:sp>
+        <p:nvSpPr>
+          <p:cNvPr id="37" name="Left Brace 36">
+            <a:extLst>
+              <a:ext uri="{FF2B5EF4-FFF2-40B4-BE49-F238E27FC236}">
+                <a16:creationId xmlns:a16="http://schemas.microsoft.com/office/drawing/2014/main" id="{572DED05-10B1-47EF-BB26-4DC8DF447303}"/>
+              </a:ext>
+            </a:extLst>
+          </p:cNvPr>
+          <p:cNvSpPr/>
+          <p:nvPr/>
+        </p:nvSpPr>
+        <p:spPr>
+          <a:xfrm rot="5400000">
+            <a:off x="6560118" y="3016231"/>
+            <a:ext cx="124450" cy="379716"/>
+          </a:xfrm>
+          <a:prstGeom prst="leftBrace">
+            <a:avLst/>
+          </a:prstGeom>
+          <a:ln w="12700">
+            <a:solidFill>
+              <a:srgbClr val="FF0000"/>
+            </a:solidFill>
+          </a:ln>
+          <a:effectLst>
+            <a:outerShdw blurRad="50800" dist="38100" algn="l" rotWithShape="0">
+              <a:prstClr val="black">
+                <a:alpha val="40000"/>
+              </a:prstClr>
+            </a:outerShdw>
+          </a:effectLst>
+        </p:spPr>
+        <p:style>
+          <a:lnRef idx="1">
+            <a:schemeClr val="accent1"/>
+          </a:lnRef>
+          <a:fillRef idx="0">
+            <a:schemeClr val="accent1"/>
+          </a:fillRef>
+          <a:effectRef idx="0">
+            <a:schemeClr val="accent1"/>
+          </a:effectRef>
+          <a:fontRef idx="minor">
+            <a:schemeClr val="tx1"/>
+          </a:fontRef>
+        </p:style>
+        <p:txBody>
+          <a:bodyPr rtlCol="0" anchor="ctr"/>
+          <a:lstStyle/>
+          <a:p>
+            <a:pPr algn="ctr"/>
+            <a:endParaRPr lang="en-US"/>
+          </a:p>
+        </p:txBody>
+      </p:sp>
+      <p:sp>
+        <p:nvSpPr>
+          <p:cNvPr id="12" name="Rectangle 11">
+            <a:extLst>
+              <a:ext uri="{FF2B5EF4-FFF2-40B4-BE49-F238E27FC236}">
+                <a16:creationId xmlns:a16="http://schemas.microsoft.com/office/drawing/2014/main" id="{3661D357-E849-4E37-8768-300B126410DC}"/>
+              </a:ext>
+            </a:extLst>
+          </p:cNvPr>
+          <p:cNvSpPr/>
+          <p:nvPr/>
+        </p:nvSpPr>
+        <p:spPr>
+          <a:xfrm>
+            <a:off x="5375108" y="1427314"/>
+            <a:ext cx="3457001" cy="923330"/>
+          </a:xfrm>
+          <a:prstGeom prst="rect">
+            <a:avLst/>
+          </a:prstGeom>
+          <a:solidFill>
+            <a:schemeClr val="bg1"/>
+          </a:solidFill>
+          <a:ln>
+            <a:solidFill>
+              <a:schemeClr val="tx1"/>
+            </a:solidFill>
+          </a:ln>
+        </p:spPr>
+        <p:txBody>
+          <a:bodyPr wrap="square">
+            <a:spAutoFit/>
+          </a:bodyPr>
+          <a:lstStyle/>
+          <a:p>
+            <a:r>
+              <a:rPr lang="en-US" dirty="0"/>
+              <a:t>Show DE between groups</a:t>
+            </a:r>
+          </a:p>
+          <a:p>
+            <a:r>
+              <a:rPr lang="en-US" dirty="0"/>
+              <a:t>Compare 2 groups (DE analysis)</a:t>
+            </a:r>
+          </a:p>
+          <a:p>
+            <a:r>
+              <a:rPr lang="en-US" dirty="0"/>
+              <a:t>Function enrichment of HVG genes</a:t>
+            </a:r>
+          </a:p>
+        </p:txBody>
+      </p:sp>
+    </p:spTree>
+    <p:extLst>
+      <p:ext uri="{BB962C8B-B14F-4D97-AF65-F5344CB8AC3E}">
+        <p14:creationId xmlns:p14="http://schemas.microsoft.com/office/powerpoint/2010/main" val="1483550797"/>
+      </p:ext>
+    </p:extLst>
+  </p:cSld>
+  <p:clrMapOvr>
+    <a:masterClrMapping/>
+  </p:clrMapOvr>
+</p:sld>
+</file>
+
 <file path=ppt/theme/theme1.xml><?xml version="1.0" encoding="utf-8"?>
 <a:theme xmlns:a="http://schemas.openxmlformats.org/drawingml/2006/main" name="Office Theme">
   <a:themeElements>

--- a/resources/Tooltips.pptx
+++ b/resources/Tooltips.pptx
@@ -5,8 +5,10 @@
     <p:sldMasterId id="2147483648" r:id="rId1"/>
   </p:sldMasterIdLst>
   <p:sldIdLst>
-    <p:sldId id="256" r:id="rId2"/>
+    <p:sldId id="259" r:id="rId2"/>
     <p:sldId id="257" r:id="rId3"/>
+    <p:sldId id="256" r:id="rId4"/>
+    <p:sldId id="258" r:id="rId5"/>
   </p:sldIdLst>
   <p:sldSz cx="12192000" cy="6858000"/>
   <p:notesSz cx="6858000" cy="9144000"/>
@@ -260,7 +262,7 @@
           <a:p>
             <a:fld id="{0AEF6033-48BE-4F3C-A2E0-FC2478E9B1E8}" type="datetimeFigureOut">
               <a:rPr lang="en-US" smtClean="0"/>
-              <a:t>3/8/2021</a:t>
+              <a:t>3/9/2022</a:t>
             </a:fld>
             <a:endParaRPr lang="en-US"/>
           </a:p>
@@ -458,7 +460,7 @@
           <a:p>
             <a:fld id="{0AEF6033-48BE-4F3C-A2E0-FC2478E9B1E8}" type="datetimeFigureOut">
               <a:rPr lang="en-US" smtClean="0"/>
-              <a:t>3/8/2021</a:t>
+              <a:t>3/9/2022</a:t>
             </a:fld>
             <a:endParaRPr lang="en-US"/>
           </a:p>
@@ -666,7 +668,7 @@
           <a:p>
             <a:fld id="{0AEF6033-48BE-4F3C-A2E0-FC2478E9B1E8}" type="datetimeFigureOut">
               <a:rPr lang="en-US" smtClean="0"/>
-              <a:t>3/8/2021</a:t>
+              <a:t>3/9/2022</a:t>
             </a:fld>
             <a:endParaRPr lang="en-US"/>
           </a:p>
@@ -864,7 +866,7 @@
           <a:p>
             <a:fld id="{0AEF6033-48BE-4F3C-A2E0-FC2478E9B1E8}" type="datetimeFigureOut">
               <a:rPr lang="en-US" smtClean="0"/>
-              <a:t>3/8/2021</a:t>
+              <a:t>3/9/2022</a:t>
             </a:fld>
             <a:endParaRPr lang="en-US"/>
           </a:p>
@@ -1139,7 +1141,7 @@
           <a:p>
             <a:fld id="{0AEF6033-48BE-4F3C-A2E0-FC2478E9B1E8}" type="datetimeFigureOut">
               <a:rPr lang="en-US" smtClean="0"/>
-              <a:t>3/8/2021</a:t>
+              <a:t>3/9/2022</a:t>
             </a:fld>
             <a:endParaRPr lang="en-US"/>
           </a:p>
@@ -1404,7 +1406,7 @@
           <a:p>
             <a:fld id="{0AEF6033-48BE-4F3C-A2E0-FC2478E9B1E8}" type="datetimeFigureOut">
               <a:rPr lang="en-US" smtClean="0"/>
-              <a:t>3/8/2021</a:t>
+              <a:t>3/9/2022</a:t>
             </a:fld>
             <a:endParaRPr lang="en-US"/>
           </a:p>
@@ -1816,7 +1818,7 @@
           <a:p>
             <a:fld id="{0AEF6033-48BE-4F3C-A2E0-FC2478E9B1E8}" type="datetimeFigureOut">
               <a:rPr lang="en-US" smtClean="0"/>
-              <a:t>3/8/2021</a:t>
+              <a:t>3/9/2022</a:t>
             </a:fld>
             <a:endParaRPr lang="en-US"/>
           </a:p>
@@ -1957,7 +1959,7 @@
           <a:p>
             <a:fld id="{0AEF6033-48BE-4F3C-A2E0-FC2478E9B1E8}" type="datetimeFigureOut">
               <a:rPr lang="en-US" smtClean="0"/>
-              <a:t>3/8/2021</a:t>
+              <a:t>3/9/2022</a:t>
             </a:fld>
             <a:endParaRPr lang="en-US"/>
           </a:p>
@@ -2070,7 +2072,7 @@
           <a:p>
             <a:fld id="{0AEF6033-48BE-4F3C-A2E0-FC2478E9B1E8}" type="datetimeFigureOut">
               <a:rPr lang="en-US" smtClean="0"/>
-              <a:t>3/8/2021</a:t>
+              <a:t>3/9/2022</a:t>
             </a:fld>
             <a:endParaRPr lang="en-US"/>
           </a:p>
@@ -2381,7 +2383,7 @@
           <a:p>
             <a:fld id="{0AEF6033-48BE-4F3C-A2E0-FC2478E9B1E8}" type="datetimeFigureOut">
               <a:rPr lang="en-US" smtClean="0"/>
-              <a:t>3/8/2021</a:t>
+              <a:t>3/9/2022</a:t>
             </a:fld>
             <a:endParaRPr lang="en-US"/>
           </a:p>
@@ -2669,7 +2671,7 @@
           <a:p>
             <a:fld id="{0AEF6033-48BE-4F3C-A2E0-FC2478E9B1E8}" type="datetimeFigureOut">
               <a:rPr lang="en-US" smtClean="0"/>
-              <a:t>3/8/2021</a:t>
+              <a:t>3/9/2022</a:t>
             </a:fld>
             <a:endParaRPr lang="en-US"/>
           </a:p>
@@ -2910,7 +2912,7 @@
           <a:p>
             <a:fld id="{0AEF6033-48BE-4F3C-A2E0-FC2478E9B1E8}" type="datetimeFigureOut">
               <a:rPr lang="en-US" smtClean="0"/>
-              <a:t>3/8/2021</a:t>
+              <a:t>3/9/2022</a:t>
             </a:fld>
             <a:endParaRPr lang="en-US"/>
           </a:p>
@@ -3329,10 +3331,10 @@
       </p:grpSpPr>
       <p:pic>
         <p:nvPicPr>
-          <p:cNvPr id="5" name="Picture 4">
-            <a:extLst>
-              <a:ext uri="{FF2B5EF4-FFF2-40B4-BE49-F238E27FC236}">
-                <a16:creationId xmlns:a16="http://schemas.microsoft.com/office/drawing/2014/main" id="{9DC41AA2-E871-4BD3-B831-57C5E3A9C4F4}"/>
+          <p:cNvPr id="13" name="Picture 12">
+            <a:extLst>
+              <a:ext uri="{FF2B5EF4-FFF2-40B4-BE49-F238E27FC236}">
+                <a16:creationId xmlns:a16="http://schemas.microsoft.com/office/drawing/2014/main" id="{180D7BDF-F543-4939-9C7B-C5CE150978B9}"/>
               </a:ext>
             </a:extLst>
           </p:cNvPr>
@@ -3341,21 +3343,67 @@
           </p:cNvPicPr>
           <p:nvPr/>
         </p:nvPicPr>
-        <p:blipFill rotWithShape="1">
+        <p:blipFill>
           <a:blip r:embed="rId2"/>
-          <a:srcRect b="85244"/>
-          <a:stretch/>
+          <a:stretch>
+            <a:fillRect/>
+          </a:stretch>
         </p:blipFill>
         <p:spPr>
           <a:xfrm>
-            <a:off x="2913183" y="2741080"/>
-            <a:ext cx="7824963" cy="1011936"/>
+            <a:off x="2610510" y="2469076"/>
+            <a:ext cx="7399525" cy="1299406"/>
           </a:xfrm>
           <a:prstGeom prst="rect">
             <a:avLst/>
           </a:prstGeom>
         </p:spPr>
       </p:pic>
+      <p:cxnSp>
+        <p:nvCxnSpPr>
+          <p:cNvPr id="35" name="Straight Connector 34">
+            <a:extLst>
+              <a:ext uri="{FF2B5EF4-FFF2-40B4-BE49-F238E27FC236}">
+                <a16:creationId xmlns:a16="http://schemas.microsoft.com/office/drawing/2014/main" id="{2893DB10-3487-42AB-A408-D5F4748119C2}"/>
+              </a:ext>
+            </a:extLst>
+          </p:cNvPr>
+          <p:cNvCxnSpPr>
+            <a:cxnSpLocks/>
+            <a:stCxn id="34" idx="2"/>
+            <a:endCxn id="37" idx="1"/>
+          </p:cNvCxnSpPr>
+          <p:nvPr/>
+        </p:nvCxnSpPr>
+        <p:spPr>
+          <a:xfrm flipH="1">
+            <a:off x="6817331" y="1072899"/>
+            <a:ext cx="2823328" cy="1919143"/>
+          </a:xfrm>
+          <a:prstGeom prst="line">
+            <a:avLst/>
+          </a:prstGeom>
+          <a:ln w="9525">
+            <a:solidFill>
+              <a:schemeClr val="tx1"/>
+            </a:solidFill>
+          </a:ln>
+        </p:spPr>
+        <p:style>
+          <a:lnRef idx="1">
+            <a:schemeClr val="accent1"/>
+          </a:lnRef>
+          <a:fillRef idx="0">
+            <a:schemeClr val="accent1"/>
+          </a:fillRef>
+          <a:effectRef idx="0">
+            <a:schemeClr val="accent1"/>
+          </a:effectRef>
+          <a:fontRef idx="minor">
+            <a:schemeClr val="tx1"/>
+          </a:fontRef>
+        </p:style>
+      </p:cxnSp>
       <p:sp>
         <p:nvSpPr>
           <p:cNvPr id="6" name="Rectangle 5">
@@ -3530,7 +3578,7 @@
         </p:nvSpPr>
         <p:spPr>
           <a:xfrm>
-            <a:off x="5627039" y="4951918"/>
+            <a:off x="5711558" y="4940736"/>
             <a:ext cx="3176016" cy="1477328"/>
           </a:xfrm>
           <a:prstGeom prst="rect">
@@ -3632,8 +3680,8 @@
         </p:nvSpPr>
         <p:spPr>
           <a:xfrm>
-            <a:off x="3960547" y="274754"/>
-            <a:ext cx="3584446" cy="646331"/>
+            <a:off x="3756264" y="341670"/>
+            <a:ext cx="1868787" cy="646331"/>
           </a:xfrm>
           <a:prstGeom prst="rect">
             <a:avLst/>
@@ -3652,39 +3700,23 @@
           <a:p>
             <a:r>
               <a:rPr lang="en-US" dirty="0"/>
-              <a:t>Run </a:t>
-            </a:r>
-            <a:r>
-              <a:rPr lang="en-US" dirty="0" err="1"/>
-              <a:t>pseudotime</a:t>
-            </a:r>
-            <a:r>
-              <a:rPr lang="en-US" dirty="0"/>
-              <a:t> analysis (Monocle)</a:t>
-            </a:r>
-          </a:p>
-          <a:p>
-            <a:r>
-              <a:rPr lang="en-US" dirty="0"/>
-              <a:t>Plot </a:t>
-            </a:r>
-            <a:r>
-              <a:rPr lang="en-US" dirty="0" err="1"/>
-              <a:t>pseudotime</a:t>
-            </a:r>
-            <a:r>
-              <a:rPr lang="en-US" dirty="0"/>
-              <a:t> trajectory</a:t>
-            </a:r>
-          </a:p>
-        </p:txBody>
-      </p:sp>
-      <p:sp>
-        <p:nvSpPr>
-          <p:cNvPr id="12" name="Rectangle 11">
-            <a:extLst>
-              <a:ext uri="{FF2B5EF4-FFF2-40B4-BE49-F238E27FC236}">
-                <a16:creationId xmlns:a16="http://schemas.microsoft.com/office/drawing/2014/main" id="{3661D357-E849-4E37-8768-300B126410DC}"/>
+              <a:t>Multiview of Cells</a:t>
+            </a:r>
+          </a:p>
+          <a:p>
+            <a:r>
+              <a:rPr lang="en-US" dirty="0"/>
+              <a:t>Cross Tabulation</a:t>
+            </a:r>
+          </a:p>
+        </p:txBody>
+      </p:sp>
+      <p:sp>
+        <p:nvSpPr>
+          <p:cNvPr id="16" name="Rectangle 15">
+            <a:extLst>
+              <a:ext uri="{FF2B5EF4-FFF2-40B4-BE49-F238E27FC236}">
+                <a16:creationId xmlns:a16="http://schemas.microsoft.com/office/drawing/2014/main" id="{4A4ACEDF-75BB-413D-9C26-623091286E98}"/>
               </a:ext>
             </a:extLst>
           </p:cNvPr>
@@ -3693,8 +3725,8 @@
         </p:nvSpPr>
         <p:spPr>
           <a:xfrm>
-            <a:off x="5326999" y="1555890"/>
-            <a:ext cx="3460631" cy="646331"/>
+            <a:off x="9702622" y="1443020"/>
+            <a:ext cx="2071047" cy="923330"/>
           </a:xfrm>
           <a:prstGeom prst="rect">
             <a:avLst/>
@@ -3713,23 +3745,29 @@
           <a:p>
             <a:r>
               <a:rPr lang="en-US" dirty="0"/>
-              <a:t>Compare 2 groups (DE analysis)</a:t>
-            </a:r>
-          </a:p>
-          <a:p>
-            <a:r>
-              <a:rPr lang="en-US" dirty="0"/>
-              <a:t>Function enrichment of HVG genes</a:t>
-            </a:r>
-          </a:p>
-        </p:txBody>
-      </p:sp>
-      <p:sp>
-        <p:nvSpPr>
-          <p:cNvPr id="16" name="Rectangle 15">
-            <a:extLst>
-              <a:ext uri="{FF2B5EF4-FFF2-40B4-BE49-F238E27FC236}">
-                <a16:creationId xmlns:a16="http://schemas.microsoft.com/office/drawing/2014/main" id="{4A4ACEDF-75BB-413D-9C26-623091286E98}"/>
+              <a:t>Switch marker type</a:t>
+            </a:r>
+          </a:p>
+          <a:p>
+            <a:r>
+              <a:rPr lang="en-US" dirty="0"/>
+              <a:t>Switch color maps</a:t>
+            </a:r>
+          </a:p>
+          <a:p>
+            <a:r>
+              <a:rPr lang="en-US" dirty="0"/>
+              <a:t>Refresh</a:t>
+            </a:r>
+          </a:p>
+        </p:txBody>
+      </p:sp>
+      <p:sp>
+        <p:nvSpPr>
+          <p:cNvPr id="17" name="Rectangle 16">
+            <a:extLst>
+              <a:ext uri="{FF2B5EF4-FFF2-40B4-BE49-F238E27FC236}">
+                <a16:creationId xmlns:a16="http://schemas.microsoft.com/office/drawing/2014/main" id="{09C66DB8-13C8-4DFA-83AE-726E2784D75B}"/>
               </a:ext>
             </a:extLst>
           </p:cNvPr>
@@ -3738,8 +3776,8 @@
         </p:nvSpPr>
         <p:spPr>
           <a:xfrm>
-            <a:off x="9023273" y="1294941"/>
-            <a:ext cx="3084574" cy="923330"/>
+            <a:off x="9235677" y="4968885"/>
+            <a:ext cx="2206752" cy="646331"/>
           </a:xfrm>
           <a:prstGeom prst="rect">
             <a:avLst/>
@@ -3758,29 +3796,23 @@
           <a:p>
             <a:r>
               <a:rPr lang="en-US" dirty="0"/>
-              <a:t>Switch scatter plot marker type</a:t>
-            </a:r>
-          </a:p>
-          <a:p>
-            <a:r>
-              <a:rPr lang="en-US" dirty="0"/>
-              <a:t>Switch color maps</a:t>
-            </a:r>
-          </a:p>
-          <a:p>
-            <a:r>
-              <a:rPr lang="en-US" dirty="0"/>
-              <a:t>Refresh</a:t>
-            </a:r>
-          </a:p>
-        </p:txBody>
-      </p:sp>
-      <p:sp>
-        <p:nvSpPr>
-          <p:cNvPr id="17" name="Rectangle 16">
-            <a:extLst>
-              <a:ext uri="{FF2B5EF4-FFF2-40B4-BE49-F238E27FC236}">
-                <a16:creationId xmlns:a16="http://schemas.microsoft.com/office/drawing/2014/main" id="{09C66DB8-13C8-4DFA-83AE-726E2784D75B}"/>
+              <a:t>Delete selected cells</a:t>
+            </a:r>
+          </a:p>
+          <a:p>
+            <a:r>
+              <a:rPr lang="en-US" dirty="0"/>
+              <a:t>Export &amp; save data</a:t>
+            </a:r>
+          </a:p>
+        </p:txBody>
+      </p:sp>
+      <p:sp>
+        <p:nvSpPr>
+          <p:cNvPr id="18" name="Rectangle 17">
+            <a:extLst>
+              <a:ext uri="{FF2B5EF4-FFF2-40B4-BE49-F238E27FC236}">
+                <a16:creationId xmlns:a16="http://schemas.microsoft.com/office/drawing/2014/main" id="{3674DC03-1344-4114-90F9-A50464CE53DA}"/>
               </a:ext>
             </a:extLst>
           </p:cNvPr>
@@ -3789,8 +3821,8 @@
         </p:nvSpPr>
         <p:spPr>
           <a:xfrm>
-            <a:off x="9235677" y="4968885"/>
-            <a:ext cx="2206752" cy="646331"/>
+            <a:off x="9378739" y="3841180"/>
+            <a:ext cx="1536192" cy="646331"/>
           </a:xfrm>
           <a:prstGeom prst="rect">
             <a:avLst/>
@@ -3809,51 +3841,6 @@
           <a:p>
             <a:r>
               <a:rPr lang="en-US" dirty="0"/>
-              <a:t>Delete selected cells</a:t>
-            </a:r>
-          </a:p>
-          <a:p>
-            <a:r>
-              <a:rPr lang="en-US" dirty="0"/>
-              <a:t>Export &amp; save data</a:t>
-            </a:r>
-          </a:p>
-        </p:txBody>
-      </p:sp>
-      <p:sp>
-        <p:nvSpPr>
-          <p:cNvPr id="18" name="Rectangle 17">
-            <a:extLst>
-              <a:ext uri="{FF2B5EF4-FFF2-40B4-BE49-F238E27FC236}">
-                <a16:creationId xmlns:a16="http://schemas.microsoft.com/office/drawing/2014/main" id="{3674DC03-1344-4114-90F9-A50464CE53DA}"/>
-              </a:ext>
-            </a:extLst>
-          </p:cNvPr>
-          <p:cNvSpPr/>
-          <p:nvPr/>
-        </p:nvSpPr>
-        <p:spPr>
-          <a:xfrm>
-            <a:off x="9378739" y="3841180"/>
-            <a:ext cx="1536192" cy="646331"/>
-          </a:xfrm>
-          <a:prstGeom prst="rect">
-            <a:avLst/>
-          </a:prstGeom>
-          <a:ln>
-            <a:solidFill>
-              <a:schemeClr val="tx1"/>
-            </a:solidFill>
-          </a:ln>
-        </p:spPr>
-        <p:txBody>
-          <a:bodyPr wrap="square">
-            <a:spAutoFit/>
-          </a:bodyPr>
-          <a:lstStyle/>
-          <a:p>
-            <a:r>
-              <a:rPr lang="en-US" dirty="0"/>
               <a:t>Embedding</a:t>
             </a:r>
           </a:p>
@@ -3882,7 +3869,7 @@
         <p:spPr>
           <a:xfrm>
             <a:off x="3393617" y="937926"/>
-            <a:ext cx="1725168" cy="2309122"/>
+            <a:ext cx="1578030" cy="2200290"/>
           </a:xfrm>
           <a:prstGeom prst="line">
             <a:avLst/>
@@ -3919,14 +3906,15 @@
           </p:cNvPr>
           <p:cNvCxnSpPr>
             <a:cxnSpLocks/>
+            <a:stCxn id="11" idx="2"/>
             <a:endCxn id="94" idx="1"/>
           </p:cNvCxnSpPr>
           <p:nvPr/>
         </p:nvCxnSpPr>
         <p:spPr>
           <a:xfrm>
-            <a:off x="4648838" y="921085"/>
-            <a:ext cx="858080" cy="2231619"/>
+            <a:off x="4690658" y="988001"/>
+            <a:ext cx="744535" cy="2031413"/>
           </a:xfrm>
           <a:prstGeom prst="line">
             <a:avLst/>
@@ -3970,8 +3958,8 @@
         </p:nvCxnSpPr>
         <p:spPr>
           <a:xfrm flipH="1">
-            <a:off x="5984195" y="2202221"/>
-            <a:ext cx="1073120" cy="950483"/>
+            <a:off x="6148270" y="2104263"/>
+            <a:ext cx="497087" cy="909503"/>
           </a:xfrm>
           <a:prstGeom prst="line">
             <a:avLst/>
@@ -4015,8 +4003,8 @@
         </p:nvCxnSpPr>
         <p:spPr>
           <a:xfrm flipH="1">
-            <a:off x="7344734" y="2218271"/>
-            <a:ext cx="3220826" cy="1157311"/>
+            <a:off x="9378739" y="2366350"/>
+            <a:ext cx="1359407" cy="929328"/>
           </a:xfrm>
           <a:prstGeom prst="line">
             <a:avLst/>
@@ -4061,7 +4049,7 @@
         <p:spPr>
           <a:xfrm>
             <a:off x="1762273" y="2315777"/>
-            <a:ext cx="1475380" cy="1081697"/>
+            <a:ext cx="1306874" cy="1040063"/>
           </a:xfrm>
           <a:prstGeom prst="line">
             <a:avLst/>
@@ -4098,14 +4086,15 @@
           </p:cNvPr>
           <p:cNvCxnSpPr>
             <a:cxnSpLocks/>
+            <a:stCxn id="7" idx="0"/>
             <a:endCxn id="66" idx="1"/>
           </p:cNvCxnSpPr>
           <p:nvPr/>
         </p:nvCxnSpPr>
         <p:spPr>
           <a:xfrm flipV="1">
-            <a:off x="3051956" y="3841181"/>
-            <a:ext cx="970501" cy="381518"/>
+            <a:off x="1920769" y="3892932"/>
+            <a:ext cx="2010493" cy="329768"/>
           </a:xfrm>
           <a:prstGeom prst="line">
             <a:avLst/>
@@ -4194,8 +4183,8 @@
         </p:nvCxnSpPr>
         <p:spPr>
           <a:xfrm flipH="1" flipV="1">
-            <a:off x="5499001" y="3848132"/>
-            <a:ext cx="1716046" cy="1103786"/>
+            <a:off x="5936550" y="3911864"/>
+            <a:ext cx="1363016" cy="1028872"/>
           </a:xfrm>
           <a:prstGeom prst="line">
             <a:avLst/>
@@ -4232,14 +4221,15 @@
           </p:cNvPr>
           <p:cNvCxnSpPr>
             <a:cxnSpLocks/>
+            <a:stCxn id="17" idx="0"/>
             <a:endCxn id="80" idx="1"/>
           </p:cNvCxnSpPr>
           <p:nvPr/>
         </p:nvCxnSpPr>
         <p:spPr>
           <a:xfrm flipH="1" flipV="1">
-            <a:off x="6288743" y="3830680"/>
-            <a:ext cx="3089996" cy="1122244"/>
+            <a:off x="7759832" y="3871208"/>
+            <a:ext cx="2579221" cy="1097677"/>
           </a:xfrm>
           <a:prstGeom prst="line">
             <a:avLst/>
@@ -4283,8 +4273,8 @@
         </p:nvCxnSpPr>
         <p:spPr>
           <a:xfrm flipH="1" flipV="1">
-            <a:off x="6763097" y="3838190"/>
-            <a:ext cx="2615642" cy="326156"/>
+            <a:off x="8396410" y="3854050"/>
+            <a:ext cx="982329" cy="310296"/>
           </a:xfrm>
           <a:prstGeom prst="line">
             <a:avLst/>
@@ -4324,7 +4314,7 @@
         </p:nvSpPr>
         <p:spPr>
           <a:xfrm rot="16200000">
-            <a:off x="3960232" y="3391866"/>
+            <a:off x="3869037" y="3443617"/>
             <a:ext cx="124450" cy="774180"/>
           </a:xfrm>
           <a:prstGeom prst="leftBrace">
@@ -4436,8 +4426,8 @@
         </p:nvSpPr>
         <p:spPr>
           <a:xfrm rot="16200000">
-            <a:off x="5436775" y="3289007"/>
-            <a:ext cx="124450" cy="993799"/>
+            <a:off x="5855138" y="2906782"/>
+            <a:ext cx="162823" cy="1847340"/>
           </a:xfrm>
           <a:prstGeom prst="leftBrace">
             <a:avLst/>
@@ -4492,7 +4482,7 @@
         </p:nvSpPr>
         <p:spPr>
           <a:xfrm rot="16200000">
-            <a:off x="6226518" y="3578597"/>
+            <a:off x="7697607" y="3619125"/>
             <a:ext cx="124450" cy="379716"/>
           </a:xfrm>
           <a:prstGeom prst="leftBrace">
@@ -4548,7 +4538,7 @@
         </p:nvSpPr>
         <p:spPr>
           <a:xfrm rot="16200000">
-            <a:off x="6700872" y="3586107"/>
+            <a:off x="8334185" y="3601967"/>
             <a:ext cx="124450" cy="379716"/>
           </a:xfrm>
           <a:prstGeom prst="leftBrace">
@@ -4604,7 +4594,7 @@
         </p:nvSpPr>
         <p:spPr>
           <a:xfrm rot="5400000">
-            <a:off x="3175428" y="3135229"/>
+            <a:off x="3006922" y="3093595"/>
             <a:ext cx="124450" cy="648940"/>
           </a:xfrm>
           <a:prstGeom prst="leftBrace">
@@ -4660,7 +4650,7 @@
         </p:nvSpPr>
         <p:spPr>
           <a:xfrm rot="5400000">
-            <a:off x="7282509" y="3113337"/>
+            <a:off x="9316514" y="3033433"/>
             <a:ext cx="124450" cy="648940"/>
           </a:xfrm>
           <a:prstGeom prst="leftBrace">
@@ -4716,8 +4706,8 @@
         </p:nvSpPr>
         <p:spPr>
           <a:xfrm rot="5400000">
-            <a:off x="5921970" y="3025071"/>
-            <a:ext cx="124450" cy="379716"/>
+            <a:off x="6086045" y="2703723"/>
+            <a:ext cx="124450" cy="744535"/>
           </a:xfrm>
           <a:prstGeom prst="leftBrace">
             <a:avLst/>
@@ -4772,7 +4762,7 @@
         </p:nvSpPr>
         <p:spPr>
           <a:xfrm rot="5400000">
-            <a:off x="5444693" y="3025071"/>
+            <a:off x="5372968" y="2891781"/>
             <a:ext cx="124450" cy="379716"/>
           </a:xfrm>
           <a:prstGeom prst="leftBrace">
@@ -4814,10 +4804,223 @@
           </a:p>
         </p:txBody>
       </p:sp>
+      <p:sp>
+        <p:nvSpPr>
+          <p:cNvPr id="34" name="Rectangle 33">
+            <a:extLst>
+              <a:ext uri="{FF2B5EF4-FFF2-40B4-BE49-F238E27FC236}">
+                <a16:creationId xmlns:a16="http://schemas.microsoft.com/office/drawing/2014/main" id="{81509231-716B-4D96-BFB0-6C35B61D7FDB}"/>
+              </a:ext>
+            </a:extLst>
+          </p:cNvPr>
+          <p:cNvSpPr/>
+          <p:nvPr/>
+        </p:nvSpPr>
+        <p:spPr>
+          <a:xfrm>
+            <a:off x="8070918" y="426568"/>
+            <a:ext cx="3139482" cy="646331"/>
+          </a:xfrm>
+          <a:prstGeom prst="rect">
+            <a:avLst/>
+          </a:prstGeom>
+          <a:ln>
+            <a:solidFill>
+              <a:schemeClr val="tx1"/>
+            </a:solidFill>
+          </a:ln>
+        </p:spPr>
+        <p:txBody>
+          <a:bodyPr wrap="square">
+            <a:spAutoFit/>
+          </a:bodyPr>
+          <a:lstStyle/>
+          <a:p>
+            <a:r>
+              <a:rPr lang="en-US" dirty="0"/>
+              <a:t>Build Gene Regulatory Network</a:t>
+            </a:r>
+          </a:p>
+          <a:p>
+            <a:r>
+              <a:rPr lang="en-US" dirty="0"/>
+              <a:t>Compare 2 Networks</a:t>
+            </a:r>
+          </a:p>
+        </p:txBody>
+      </p:sp>
+      <p:sp>
+        <p:nvSpPr>
+          <p:cNvPr id="37" name="Left Brace 36">
+            <a:extLst>
+              <a:ext uri="{FF2B5EF4-FFF2-40B4-BE49-F238E27FC236}">
+                <a16:creationId xmlns:a16="http://schemas.microsoft.com/office/drawing/2014/main" id="{572DED05-10B1-47EF-BB26-4DC8DF447303}"/>
+              </a:ext>
+            </a:extLst>
+          </p:cNvPr>
+          <p:cNvSpPr/>
+          <p:nvPr/>
+        </p:nvSpPr>
+        <p:spPr>
+          <a:xfrm rot="5400000">
+            <a:off x="6755106" y="2864409"/>
+            <a:ext cx="124450" cy="379716"/>
+          </a:xfrm>
+          <a:prstGeom prst="leftBrace">
+            <a:avLst/>
+          </a:prstGeom>
+          <a:ln w="12700">
+            <a:solidFill>
+              <a:srgbClr val="FF0000"/>
+            </a:solidFill>
+          </a:ln>
+          <a:effectLst>
+            <a:outerShdw blurRad="50800" dist="38100" algn="l" rotWithShape="0">
+              <a:prstClr val="black">
+                <a:alpha val="40000"/>
+              </a:prstClr>
+            </a:outerShdw>
+          </a:effectLst>
+        </p:spPr>
+        <p:style>
+          <a:lnRef idx="1">
+            <a:schemeClr val="accent1"/>
+          </a:lnRef>
+          <a:fillRef idx="0">
+            <a:schemeClr val="accent1"/>
+          </a:fillRef>
+          <a:effectRef idx="0">
+            <a:schemeClr val="accent1"/>
+          </a:effectRef>
+          <a:fontRef idx="minor">
+            <a:schemeClr val="tx1"/>
+          </a:fontRef>
+        </p:style>
+        <p:txBody>
+          <a:bodyPr rtlCol="0" anchor="ctr"/>
+          <a:lstStyle/>
+          <a:p>
+            <a:pPr algn="ctr"/>
+            <a:endParaRPr lang="en-US"/>
+          </a:p>
+        </p:txBody>
+      </p:sp>
+      <p:sp>
+        <p:nvSpPr>
+          <p:cNvPr id="12" name="Rectangle 11">
+            <a:extLst>
+              <a:ext uri="{FF2B5EF4-FFF2-40B4-BE49-F238E27FC236}">
+                <a16:creationId xmlns:a16="http://schemas.microsoft.com/office/drawing/2014/main" id="{3661D357-E849-4E37-8768-300B126410DC}"/>
+              </a:ext>
+            </a:extLst>
+          </p:cNvPr>
+          <p:cNvSpPr/>
+          <p:nvPr/>
+        </p:nvSpPr>
+        <p:spPr>
+          <a:xfrm>
+            <a:off x="5341023" y="1180933"/>
+            <a:ext cx="2608668" cy="923330"/>
+          </a:xfrm>
+          <a:prstGeom prst="rect">
+            <a:avLst/>
+          </a:prstGeom>
+          <a:solidFill>
+            <a:schemeClr val="bg1"/>
+          </a:solidFill>
+          <a:ln>
+            <a:solidFill>
+              <a:schemeClr val="tx1"/>
+            </a:solidFill>
+          </a:ln>
+        </p:spPr>
+        <p:txBody>
+          <a:bodyPr wrap="square">
+            <a:spAutoFit/>
+          </a:bodyPr>
+          <a:lstStyle/>
+          <a:p>
+            <a:r>
+              <a:rPr lang="en-US" dirty="0"/>
+              <a:t>Show DE between groups</a:t>
+            </a:r>
+          </a:p>
+          <a:p>
+            <a:r>
+              <a:rPr lang="en-US" dirty="0"/>
+              <a:t>DE analysis</a:t>
+            </a:r>
+          </a:p>
+          <a:p>
+            <a:r>
+              <a:rPr lang="en-US" dirty="0"/>
+              <a:t>HVG genes</a:t>
+            </a:r>
+          </a:p>
+        </p:txBody>
+      </p:sp>
+      <p:pic>
+        <p:nvPicPr>
+          <p:cNvPr id="60" name="Picture 59">
+            <a:extLst>
+              <a:ext uri="{FF2B5EF4-FFF2-40B4-BE49-F238E27FC236}">
+                <a16:creationId xmlns:a16="http://schemas.microsoft.com/office/drawing/2014/main" id="{41AB6A30-1E69-4F93-807C-A57B5815A156}"/>
+              </a:ext>
+            </a:extLst>
+          </p:cNvPr>
+          <p:cNvPicPr>
+            <a:picLocks noChangeAspect="1"/>
+          </p:cNvPicPr>
+          <p:nvPr/>
+        </p:nvPicPr>
+        <p:blipFill rotWithShape="1">
+          <a:blip r:embed="rId3"/>
+          <a:srcRect l="1031" t="440"/>
+          <a:stretch/>
+        </p:blipFill>
+        <p:spPr>
+          <a:xfrm>
+            <a:off x="11931401" y="2386153"/>
+            <a:ext cx="3761818" cy="5064695"/>
+          </a:xfrm>
+          <a:prstGeom prst="rect">
+            <a:avLst/>
+          </a:prstGeom>
+        </p:spPr>
+      </p:pic>
+      <p:pic>
+        <p:nvPicPr>
+          <p:cNvPr id="51" name="Picture 50">
+            <a:extLst>
+              <a:ext uri="{FF2B5EF4-FFF2-40B4-BE49-F238E27FC236}">
+                <a16:creationId xmlns:a16="http://schemas.microsoft.com/office/drawing/2014/main" id="{26AB95C4-4415-438F-9BFF-53EC6237EC53}"/>
+              </a:ext>
+            </a:extLst>
+          </p:cNvPr>
+          <p:cNvPicPr>
+            <a:picLocks noChangeAspect="1"/>
+          </p:cNvPicPr>
+          <p:nvPr/>
+        </p:nvPicPr>
+        <p:blipFill rotWithShape="1">
+          <a:blip r:embed="rId4"/>
+          <a:srcRect l="923" t="2134" r="894" b="863"/>
+          <a:stretch/>
+        </p:blipFill>
+        <p:spPr>
+          <a:xfrm>
+            <a:off x="11931401" y="-231795"/>
+            <a:ext cx="4274400" cy="2439592"/>
+          </a:xfrm>
+          <a:prstGeom prst="rect">
+            <a:avLst/>
+          </a:prstGeom>
+        </p:spPr>
+      </p:pic>
     </p:spTree>
     <p:extLst>
       <p:ext uri="{BB962C8B-B14F-4D97-AF65-F5344CB8AC3E}">
-        <p14:creationId xmlns:p14="http://schemas.microsoft.com/office/powerpoint/2010/main" val="2407535307"/>
+        <p14:creationId xmlns:p14="http://schemas.microsoft.com/office/powerpoint/2010/main" val="3078702498"/>
       </p:ext>
     </p:extLst>
   </p:cSld>
@@ -6490,6 +6693,1613 @@
     <p:extLst>
       <p:ext uri="{BB962C8B-B14F-4D97-AF65-F5344CB8AC3E}">
         <p14:creationId xmlns:p14="http://schemas.microsoft.com/office/powerpoint/2010/main" val="1483550797"/>
+      </p:ext>
+    </p:extLst>
+  </p:cSld>
+  <p:clrMapOvr>
+    <a:masterClrMapping/>
+  </p:clrMapOvr>
+</p:sld>
+</file>
+
+<file path=ppt/slides/slide3.xml><?xml version="1.0" encoding="utf-8"?>
+<p:sld xmlns:a="http://schemas.openxmlformats.org/drawingml/2006/main" xmlns:r="http://schemas.openxmlformats.org/officeDocument/2006/relationships" xmlns:p="http://schemas.openxmlformats.org/presentationml/2006/main">
+  <p:cSld>
+    <p:spTree>
+      <p:nvGrpSpPr>
+        <p:cNvPr id="1" name=""/>
+        <p:cNvGrpSpPr/>
+        <p:nvPr/>
+      </p:nvGrpSpPr>
+      <p:grpSpPr>
+        <a:xfrm>
+          <a:off x="0" y="0"/>
+          <a:ext cx="0" cy="0"/>
+          <a:chOff x="0" y="0"/>
+          <a:chExt cx="0" cy="0"/>
+        </a:xfrm>
+      </p:grpSpPr>
+      <p:pic>
+        <p:nvPicPr>
+          <p:cNvPr id="5" name="Picture 4">
+            <a:extLst>
+              <a:ext uri="{FF2B5EF4-FFF2-40B4-BE49-F238E27FC236}">
+                <a16:creationId xmlns:a16="http://schemas.microsoft.com/office/drawing/2014/main" id="{9DC41AA2-E871-4BD3-B831-57C5E3A9C4F4}"/>
+              </a:ext>
+            </a:extLst>
+          </p:cNvPr>
+          <p:cNvPicPr>
+            <a:picLocks noChangeAspect="1"/>
+          </p:cNvPicPr>
+          <p:nvPr/>
+        </p:nvPicPr>
+        <p:blipFill rotWithShape="1">
+          <a:blip r:embed="rId2"/>
+          <a:srcRect b="85244"/>
+          <a:stretch/>
+        </p:blipFill>
+        <p:spPr>
+          <a:xfrm>
+            <a:off x="2913183" y="2741080"/>
+            <a:ext cx="7824963" cy="1011936"/>
+          </a:xfrm>
+          <a:prstGeom prst="rect">
+            <a:avLst/>
+          </a:prstGeom>
+        </p:spPr>
+      </p:pic>
+      <p:sp>
+        <p:nvSpPr>
+          <p:cNvPr id="6" name="Rectangle 5">
+            <a:extLst>
+              <a:ext uri="{FF2B5EF4-FFF2-40B4-BE49-F238E27FC236}">
+                <a16:creationId xmlns:a16="http://schemas.microsoft.com/office/drawing/2014/main" id="{29F3525D-E59F-4376-AB7E-6055FA52096A}"/>
+              </a:ext>
+            </a:extLst>
+          </p:cNvPr>
+          <p:cNvSpPr/>
+          <p:nvPr/>
+        </p:nvSpPr>
+        <p:spPr>
+          <a:xfrm>
+            <a:off x="130929" y="1392447"/>
+            <a:ext cx="3262688" cy="923330"/>
+          </a:xfrm>
+          <a:prstGeom prst="rect">
+            <a:avLst/>
+          </a:prstGeom>
+          <a:ln>
+            <a:solidFill>
+              <a:schemeClr val="tx1"/>
+            </a:solidFill>
+          </a:ln>
+        </p:spPr>
+        <p:txBody>
+          <a:bodyPr wrap="square">
+            <a:spAutoFit/>
+          </a:bodyPr>
+          <a:lstStyle/>
+          <a:p>
+            <a:pPr algn="r"/>
+            <a:r>
+              <a:rPr lang="en-US" dirty="0"/>
+              <a:t>Select a gene to show expression</a:t>
+            </a:r>
+          </a:p>
+          <a:p>
+            <a:pPr algn="r"/>
+            <a:r>
+              <a:rPr lang="en-US" dirty="0"/>
+              <a:t>Show cell states</a:t>
+            </a:r>
+          </a:p>
+          <a:p>
+            <a:pPr algn="r"/>
+            <a:r>
+              <a:rPr lang="en-US" dirty="0"/>
+              <a:t>Select cells by class</a:t>
+            </a:r>
+          </a:p>
+        </p:txBody>
+      </p:sp>
+      <p:sp>
+        <p:nvSpPr>
+          <p:cNvPr id="7" name="Rectangle 6">
+            <a:extLst>
+              <a:ext uri="{FF2B5EF4-FFF2-40B4-BE49-F238E27FC236}">
+                <a16:creationId xmlns:a16="http://schemas.microsoft.com/office/drawing/2014/main" id="{5A15B46B-C8C0-4662-B4B1-B000087CEE5F}"/>
+              </a:ext>
+            </a:extLst>
+          </p:cNvPr>
+          <p:cNvSpPr/>
+          <p:nvPr/>
+        </p:nvSpPr>
+        <p:spPr>
+          <a:xfrm>
+            <a:off x="130929" y="4222700"/>
+            <a:ext cx="3579680" cy="1200329"/>
+          </a:xfrm>
+          <a:prstGeom prst="rect">
+            <a:avLst/>
+          </a:prstGeom>
+          <a:ln>
+            <a:solidFill>
+              <a:schemeClr val="tx1"/>
+            </a:solidFill>
+          </a:ln>
+        </p:spPr>
+        <p:txBody>
+          <a:bodyPr wrap="square">
+            <a:spAutoFit/>
+          </a:bodyPr>
+          <a:lstStyle/>
+          <a:p>
+            <a:pPr algn="r"/>
+            <a:r>
+              <a:rPr lang="en-US" dirty="0"/>
+              <a:t>Label clusters</a:t>
+            </a:r>
+          </a:p>
+          <a:p>
+            <a:pPr algn="r"/>
+            <a:r>
+              <a:rPr lang="en-US" dirty="0"/>
+              <a:t>Add brushed cells to a new cluster</a:t>
+            </a:r>
+          </a:p>
+          <a:p>
+            <a:pPr algn="r"/>
+            <a:r>
+              <a:rPr lang="en-US" dirty="0"/>
+              <a:t>Merge brushed cells to same cluster</a:t>
+            </a:r>
+          </a:p>
+          <a:p>
+            <a:pPr algn="r"/>
+            <a:r>
+              <a:rPr lang="en-US" dirty="0"/>
+              <a:t>Show clusters individually</a:t>
+            </a:r>
+          </a:p>
+        </p:txBody>
+      </p:sp>
+      <p:sp>
+        <p:nvSpPr>
+          <p:cNvPr id="8" name="Rectangle 7">
+            <a:extLst>
+              <a:ext uri="{FF2B5EF4-FFF2-40B4-BE49-F238E27FC236}">
+                <a16:creationId xmlns:a16="http://schemas.microsoft.com/office/drawing/2014/main" id="{F3FC82E3-8C85-43E0-ACBD-BE7C640B798C}"/>
+              </a:ext>
+            </a:extLst>
+          </p:cNvPr>
+          <p:cNvSpPr/>
+          <p:nvPr/>
+        </p:nvSpPr>
+        <p:spPr>
+          <a:xfrm>
+            <a:off x="1824855" y="5783920"/>
+            <a:ext cx="3621024" cy="646331"/>
+          </a:xfrm>
+          <a:prstGeom prst="rect">
+            <a:avLst/>
+          </a:prstGeom>
+          <a:ln>
+            <a:solidFill>
+              <a:schemeClr val="tx1"/>
+            </a:solidFill>
+          </a:ln>
+        </p:spPr>
+        <p:txBody>
+          <a:bodyPr wrap="square">
+            <a:spAutoFit/>
+          </a:bodyPr>
+          <a:lstStyle/>
+          <a:p>
+            <a:r>
+              <a:rPr lang="en-US" dirty="0"/>
+              <a:t>Clustering using embedding S</a:t>
+            </a:r>
+          </a:p>
+          <a:p>
+            <a:r>
+              <a:rPr lang="en-US" dirty="0"/>
+              <a:t>Clustering using expression matrix X</a:t>
+            </a:r>
+          </a:p>
+        </p:txBody>
+      </p:sp>
+      <p:sp>
+        <p:nvSpPr>
+          <p:cNvPr id="9" name="Rectangle 8">
+            <a:extLst>
+              <a:ext uri="{FF2B5EF4-FFF2-40B4-BE49-F238E27FC236}">
+                <a16:creationId xmlns:a16="http://schemas.microsoft.com/office/drawing/2014/main" id="{50C28B45-2246-498B-8100-E73397A02251}"/>
+              </a:ext>
+            </a:extLst>
+          </p:cNvPr>
+          <p:cNvSpPr/>
+          <p:nvPr/>
+        </p:nvSpPr>
+        <p:spPr>
+          <a:xfrm>
+            <a:off x="5627039" y="4951918"/>
+            <a:ext cx="3176016" cy="1477328"/>
+          </a:xfrm>
+          <a:prstGeom prst="rect">
+            <a:avLst/>
+          </a:prstGeom>
+          <a:ln>
+            <a:solidFill>
+              <a:schemeClr val="tx1"/>
+            </a:solidFill>
+          </a:ln>
+        </p:spPr>
+        <p:txBody>
+          <a:bodyPr wrap="square">
+            <a:spAutoFit/>
+          </a:bodyPr>
+          <a:lstStyle/>
+          <a:p>
+            <a:r>
+              <a:rPr lang="en-US" dirty="0"/>
+              <a:t>Assign cell type to brushed cells</a:t>
+            </a:r>
+          </a:p>
+          <a:p>
+            <a:r>
+              <a:rPr lang="en-US" dirty="0"/>
+              <a:t>Assign cell type to clusters</a:t>
+            </a:r>
+          </a:p>
+          <a:p>
+            <a:r>
+              <a:rPr lang="en-US" dirty="0"/>
+              <a:t>Rename cell type</a:t>
+            </a:r>
+          </a:p>
+          <a:p>
+            <a:r>
+              <a:rPr lang="en-US" dirty="0"/>
+              <a:t>Marker genes of brushed cells</a:t>
+            </a:r>
+          </a:p>
+          <a:p>
+            <a:r>
+              <a:rPr lang="en-US" dirty="0"/>
+              <a:t>Marker gene heatmap</a:t>
+            </a:r>
+          </a:p>
+        </p:txBody>
+      </p:sp>
+      <p:sp>
+        <p:nvSpPr>
+          <p:cNvPr id="10" name="Rectangle 9">
+            <a:extLst>
+              <a:ext uri="{FF2B5EF4-FFF2-40B4-BE49-F238E27FC236}">
+                <a16:creationId xmlns:a16="http://schemas.microsoft.com/office/drawing/2014/main" id="{4DF7D1B6-8AB7-4059-BD9F-815D4E7EE250}"/>
+              </a:ext>
+            </a:extLst>
+          </p:cNvPr>
+          <p:cNvSpPr/>
+          <p:nvPr/>
+        </p:nvSpPr>
+        <p:spPr>
+          <a:xfrm>
+            <a:off x="130929" y="553431"/>
+            <a:ext cx="3262688" cy="369332"/>
+          </a:xfrm>
+          <a:prstGeom prst="rect">
+            <a:avLst/>
+          </a:prstGeom>
+          <a:ln>
+            <a:solidFill>
+              <a:schemeClr val="tx1"/>
+            </a:solidFill>
+          </a:ln>
+        </p:spPr>
+        <p:txBody>
+          <a:bodyPr wrap="square">
+            <a:spAutoFit/>
+          </a:bodyPr>
+          <a:lstStyle/>
+          <a:p>
+            <a:r>
+              <a:rPr lang="en-US" dirty="0"/>
+              <a:t>Compare Differentiation Potency</a:t>
+            </a:r>
+          </a:p>
+        </p:txBody>
+      </p:sp>
+      <p:sp>
+        <p:nvSpPr>
+          <p:cNvPr id="11" name="Rectangle 10">
+            <a:extLst>
+              <a:ext uri="{FF2B5EF4-FFF2-40B4-BE49-F238E27FC236}">
+                <a16:creationId xmlns:a16="http://schemas.microsoft.com/office/drawing/2014/main" id="{F48C7448-FF7D-4D8C-B188-89FDAEF4672E}"/>
+              </a:ext>
+            </a:extLst>
+          </p:cNvPr>
+          <p:cNvSpPr/>
+          <p:nvPr/>
+        </p:nvSpPr>
+        <p:spPr>
+          <a:xfrm>
+            <a:off x="3960547" y="274754"/>
+            <a:ext cx="3584446" cy="646331"/>
+          </a:xfrm>
+          <a:prstGeom prst="rect">
+            <a:avLst/>
+          </a:prstGeom>
+          <a:ln>
+            <a:solidFill>
+              <a:schemeClr val="tx1"/>
+            </a:solidFill>
+          </a:ln>
+        </p:spPr>
+        <p:txBody>
+          <a:bodyPr wrap="square">
+            <a:spAutoFit/>
+          </a:bodyPr>
+          <a:lstStyle/>
+          <a:p>
+            <a:r>
+              <a:rPr lang="en-US" dirty="0"/>
+              <a:t>Run </a:t>
+            </a:r>
+            <a:r>
+              <a:rPr lang="en-US" dirty="0" err="1"/>
+              <a:t>pseudotime</a:t>
+            </a:r>
+            <a:r>
+              <a:rPr lang="en-US" dirty="0"/>
+              <a:t> analysis (Monocle)</a:t>
+            </a:r>
+          </a:p>
+          <a:p>
+            <a:r>
+              <a:rPr lang="en-US" dirty="0"/>
+              <a:t>Plot </a:t>
+            </a:r>
+            <a:r>
+              <a:rPr lang="en-US" dirty="0" err="1"/>
+              <a:t>pseudotime</a:t>
+            </a:r>
+            <a:r>
+              <a:rPr lang="en-US" dirty="0"/>
+              <a:t> trajectory</a:t>
+            </a:r>
+          </a:p>
+        </p:txBody>
+      </p:sp>
+      <p:sp>
+        <p:nvSpPr>
+          <p:cNvPr id="12" name="Rectangle 11">
+            <a:extLst>
+              <a:ext uri="{FF2B5EF4-FFF2-40B4-BE49-F238E27FC236}">
+                <a16:creationId xmlns:a16="http://schemas.microsoft.com/office/drawing/2014/main" id="{3661D357-E849-4E37-8768-300B126410DC}"/>
+              </a:ext>
+            </a:extLst>
+          </p:cNvPr>
+          <p:cNvSpPr/>
+          <p:nvPr/>
+        </p:nvSpPr>
+        <p:spPr>
+          <a:xfrm>
+            <a:off x="5326999" y="1555890"/>
+            <a:ext cx="3460631" cy="646331"/>
+          </a:xfrm>
+          <a:prstGeom prst="rect">
+            <a:avLst/>
+          </a:prstGeom>
+          <a:ln>
+            <a:solidFill>
+              <a:schemeClr val="tx1"/>
+            </a:solidFill>
+          </a:ln>
+        </p:spPr>
+        <p:txBody>
+          <a:bodyPr wrap="square">
+            <a:spAutoFit/>
+          </a:bodyPr>
+          <a:lstStyle/>
+          <a:p>
+            <a:r>
+              <a:rPr lang="en-US" dirty="0"/>
+              <a:t>Compare 2 groups (DE analysis)</a:t>
+            </a:r>
+          </a:p>
+          <a:p>
+            <a:r>
+              <a:rPr lang="en-US" dirty="0"/>
+              <a:t>Function enrichment of HVG genes</a:t>
+            </a:r>
+          </a:p>
+        </p:txBody>
+      </p:sp>
+      <p:sp>
+        <p:nvSpPr>
+          <p:cNvPr id="16" name="Rectangle 15">
+            <a:extLst>
+              <a:ext uri="{FF2B5EF4-FFF2-40B4-BE49-F238E27FC236}">
+                <a16:creationId xmlns:a16="http://schemas.microsoft.com/office/drawing/2014/main" id="{4A4ACEDF-75BB-413D-9C26-623091286E98}"/>
+              </a:ext>
+            </a:extLst>
+          </p:cNvPr>
+          <p:cNvSpPr/>
+          <p:nvPr/>
+        </p:nvSpPr>
+        <p:spPr>
+          <a:xfrm>
+            <a:off x="9023273" y="1294941"/>
+            <a:ext cx="3084574" cy="923330"/>
+          </a:xfrm>
+          <a:prstGeom prst="rect">
+            <a:avLst/>
+          </a:prstGeom>
+          <a:ln>
+            <a:solidFill>
+              <a:schemeClr val="tx1"/>
+            </a:solidFill>
+          </a:ln>
+        </p:spPr>
+        <p:txBody>
+          <a:bodyPr wrap="square">
+            <a:spAutoFit/>
+          </a:bodyPr>
+          <a:lstStyle/>
+          <a:p>
+            <a:r>
+              <a:rPr lang="en-US" dirty="0"/>
+              <a:t>Switch scatter plot marker type</a:t>
+            </a:r>
+          </a:p>
+          <a:p>
+            <a:r>
+              <a:rPr lang="en-US" dirty="0"/>
+              <a:t>Switch color maps</a:t>
+            </a:r>
+          </a:p>
+          <a:p>
+            <a:r>
+              <a:rPr lang="en-US" dirty="0"/>
+              <a:t>Refresh</a:t>
+            </a:r>
+          </a:p>
+        </p:txBody>
+      </p:sp>
+      <p:sp>
+        <p:nvSpPr>
+          <p:cNvPr id="17" name="Rectangle 16">
+            <a:extLst>
+              <a:ext uri="{FF2B5EF4-FFF2-40B4-BE49-F238E27FC236}">
+                <a16:creationId xmlns:a16="http://schemas.microsoft.com/office/drawing/2014/main" id="{09C66DB8-13C8-4DFA-83AE-726E2784D75B}"/>
+              </a:ext>
+            </a:extLst>
+          </p:cNvPr>
+          <p:cNvSpPr/>
+          <p:nvPr/>
+        </p:nvSpPr>
+        <p:spPr>
+          <a:xfrm>
+            <a:off x="9235677" y="4968885"/>
+            <a:ext cx="2206752" cy="646331"/>
+          </a:xfrm>
+          <a:prstGeom prst="rect">
+            <a:avLst/>
+          </a:prstGeom>
+          <a:ln>
+            <a:solidFill>
+              <a:schemeClr val="tx1"/>
+            </a:solidFill>
+          </a:ln>
+        </p:spPr>
+        <p:txBody>
+          <a:bodyPr wrap="square">
+            <a:spAutoFit/>
+          </a:bodyPr>
+          <a:lstStyle/>
+          <a:p>
+            <a:r>
+              <a:rPr lang="en-US" dirty="0"/>
+              <a:t>Delete selected cells</a:t>
+            </a:r>
+          </a:p>
+          <a:p>
+            <a:r>
+              <a:rPr lang="en-US" dirty="0"/>
+              <a:t>Export &amp; save data</a:t>
+            </a:r>
+          </a:p>
+        </p:txBody>
+      </p:sp>
+      <p:sp>
+        <p:nvSpPr>
+          <p:cNvPr id="18" name="Rectangle 17">
+            <a:extLst>
+              <a:ext uri="{FF2B5EF4-FFF2-40B4-BE49-F238E27FC236}">
+                <a16:creationId xmlns:a16="http://schemas.microsoft.com/office/drawing/2014/main" id="{3674DC03-1344-4114-90F9-A50464CE53DA}"/>
+              </a:ext>
+            </a:extLst>
+          </p:cNvPr>
+          <p:cNvSpPr/>
+          <p:nvPr/>
+        </p:nvSpPr>
+        <p:spPr>
+          <a:xfrm>
+            <a:off x="9378739" y="3841180"/>
+            <a:ext cx="1536192" cy="646331"/>
+          </a:xfrm>
+          <a:prstGeom prst="rect">
+            <a:avLst/>
+          </a:prstGeom>
+          <a:ln>
+            <a:solidFill>
+              <a:schemeClr val="tx1"/>
+            </a:solidFill>
+          </a:ln>
+        </p:spPr>
+        <p:txBody>
+          <a:bodyPr wrap="square">
+            <a:spAutoFit/>
+          </a:bodyPr>
+          <a:lstStyle/>
+          <a:p>
+            <a:r>
+              <a:rPr lang="en-US" dirty="0"/>
+              <a:t>Embedding</a:t>
+            </a:r>
+          </a:p>
+          <a:p>
+            <a:r>
+              <a:rPr lang="en-US" dirty="0"/>
+              <a:t>Switch 2D/3D</a:t>
+            </a:r>
+          </a:p>
+        </p:txBody>
+      </p:sp>
+      <p:cxnSp>
+        <p:nvCxnSpPr>
+          <p:cNvPr id="22" name="Straight Connector 21">
+            <a:extLst>
+              <a:ext uri="{FF2B5EF4-FFF2-40B4-BE49-F238E27FC236}">
+                <a16:creationId xmlns:a16="http://schemas.microsoft.com/office/drawing/2014/main" id="{7B6519EA-3934-412C-A788-0A8C7DA8C73C}"/>
+              </a:ext>
+            </a:extLst>
+          </p:cNvPr>
+          <p:cNvCxnSpPr>
+            <a:cxnSpLocks/>
+          </p:cNvCxnSpPr>
+          <p:nvPr/>
+        </p:nvCxnSpPr>
+        <p:spPr>
+          <a:xfrm>
+            <a:off x="3393617" y="937926"/>
+            <a:ext cx="1725168" cy="2309122"/>
+          </a:xfrm>
+          <a:prstGeom prst="line">
+            <a:avLst/>
+          </a:prstGeom>
+          <a:ln w="9525">
+            <a:solidFill>
+              <a:schemeClr val="tx1"/>
+            </a:solidFill>
+          </a:ln>
+        </p:spPr>
+        <p:style>
+          <a:lnRef idx="1">
+            <a:schemeClr val="accent1"/>
+          </a:lnRef>
+          <a:fillRef idx="0">
+            <a:schemeClr val="accent1"/>
+          </a:fillRef>
+          <a:effectRef idx="0">
+            <a:schemeClr val="accent1"/>
+          </a:effectRef>
+          <a:fontRef idx="minor">
+            <a:schemeClr val="tx1"/>
+          </a:fontRef>
+        </p:style>
+      </p:cxnSp>
+      <p:cxnSp>
+        <p:nvCxnSpPr>
+          <p:cNvPr id="24" name="Straight Connector 23">
+            <a:extLst>
+              <a:ext uri="{FF2B5EF4-FFF2-40B4-BE49-F238E27FC236}">
+                <a16:creationId xmlns:a16="http://schemas.microsoft.com/office/drawing/2014/main" id="{8E029B41-B575-46D1-A6BD-7E01E23F50FA}"/>
+              </a:ext>
+            </a:extLst>
+          </p:cNvPr>
+          <p:cNvCxnSpPr>
+            <a:cxnSpLocks/>
+            <a:endCxn id="94" idx="1"/>
+          </p:cNvCxnSpPr>
+          <p:nvPr/>
+        </p:nvCxnSpPr>
+        <p:spPr>
+          <a:xfrm>
+            <a:off x="4648838" y="921085"/>
+            <a:ext cx="858080" cy="2231619"/>
+          </a:xfrm>
+          <a:prstGeom prst="line">
+            <a:avLst/>
+          </a:prstGeom>
+          <a:ln w="9525">
+            <a:solidFill>
+              <a:schemeClr val="tx1"/>
+            </a:solidFill>
+          </a:ln>
+        </p:spPr>
+        <p:style>
+          <a:lnRef idx="1">
+            <a:schemeClr val="accent1"/>
+          </a:lnRef>
+          <a:fillRef idx="0">
+            <a:schemeClr val="accent1"/>
+          </a:fillRef>
+          <a:effectRef idx="0">
+            <a:schemeClr val="accent1"/>
+          </a:effectRef>
+          <a:fontRef idx="minor">
+            <a:schemeClr val="tx1"/>
+          </a:fontRef>
+        </p:style>
+      </p:cxnSp>
+      <p:cxnSp>
+        <p:nvCxnSpPr>
+          <p:cNvPr id="27" name="Straight Connector 26">
+            <a:extLst>
+              <a:ext uri="{FF2B5EF4-FFF2-40B4-BE49-F238E27FC236}">
+                <a16:creationId xmlns:a16="http://schemas.microsoft.com/office/drawing/2014/main" id="{AE228A22-7298-4D37-BBB9-CB31D099A8A0}"/>
+              </a:ext>
+            </a:extLst>
+          </p:cNvPr>
+          <p:cNvCxnSpPr>
+            <a:cxnSpLocks/>
+            <a:stCxn id="12" idx="2"/>
+            <a:endCxn id="91" idx="1"/>
+          </p:cNvCxnSpPr>
+          <p:nvPr/>
+        </p:nvCxnSpPr>
+        <p:spPr>
+          <a:xfrm flipH="1">
+            <a:off x="5984195" y="2202221"/>
+            <a:ext cx="1073120" cy="950483"/>
+          </a:xfrm>
+          <a:prstGeom prst="line">
+            <a:avLst/>
+          </a:prstGeom>
+          <a:ln w="9525">
+            <a:solidFill>
+              <a:schemeClr val="tx1"/>
+            </a:solidFill>
+          </a:ln>
+        </p:spPr>
+        <p:style>
+          <a:lnRef idx="1">
+            <a:schemeClr val="accent1"/>
+          </a:lnRef>
+          <a:fillRef idx="0">
+            <a:schemeClr val="accent1"/>
+          </a:fillRef>
+          <a:effectRef idx="0">
+            <a:schemeClr val="accent1"/>
+          </a:effectRef>
+          <a:fontRef idx="minor">
+            <a:schemeClr val="tx1"/>
+          </a:fontRef>
+        </p:style>
+      </p:cxnSp>
+      <p:cxnSp>
+        <p:nvCxnSpPr>
+          <p:cNvPr id="30" name="Straight Connector 29">
+            <a:extLst>
+              <a:ext uri="{FF2B5EF4-FFF2-40B4-BE49-F238E27FC236}">
+                <a16:creationId xmlns:a16="http://schemas.microsoft.com/office/drawing/2014/main" id="{B70C2D95-59E5-4B8F-A47A-18CCA1868F49}"/>
+              </a:ext>
+            </a:extLst>
+          </p:cNvPr>
+          <p:cNvCxnSpPr>
+            <a:cxnSpLocks/>
+            <a:stCxn id="16" idx="2"/>
+            <a:endCxn id="88" idx="1"/>
+          </p:cNvCxnSpPr>
+          <p:nvPr/>
+        </p:nvCxnSpPr>
+        <p:spPr>
+          <a:xfrm flipH="1">
+            <a:off x="7344734" y="2218271"/>
+            <a:ext cx="3220826" cy="1157311"/>
+          </a:xfrm>
+          <a:prstGeom prst="line">
+            <a:avLst/>
+          </a:prstGeom>
+          <a:ln w="9525">
+            <a:solidFill>
+              <a:schemeClr val="tx1"/>
+            </a:solidFill>
+          </a:ln>
+        </p:spPr>
+        <p:style>
+          <a:lnRef idx="1">
+            <a:schemeClr val="accent1"/>
+          </a:lnRef>
+          <a:fillRef idx="0">
+            <a:schemeClr val="accent1"/>
+          </a:fillRef>
+          <a:effectRef idx="0">
+            <a:schemeClr val="accent1"/>
+          </a:effectRef>
+          <a:fontRef idx="minor">
+            <a:schemeClr val="tx1"/>
+          </a:fontRef>
+        </p:style>
+      </p:cxnSp>
+      <p:cxnSp>
+        <p:nvCxnSpPr>
+          <p:cNvPr id="36" name="Straight Connector 35">
+            <a:extLst>
+              <a:ext uri="{FF2B5EF4-FFF2-40B4-BE49-F238E27FC236}">
+                <a16:creationId xmlns:a16="http://schemas.microsoft.com/office/drawing/2014/main" id="{2B417BCA-770A-4B01-9481-01F74D142CE1}"/>
+              </a:ext>
+            </a:extLst>
+          </p:cNvPr>
+          <p:cNvCxnSpPr>
+            <a:cxnSpLocks/>
+            <a:stCxn id="6" idx="2"/>
+            <a:endCxn id="84" idx="1"/>
+          </p:cNvCxnSpPr>
+          <p:nvPr/>
+        </p:nvCxnSpPr>
+        <p:spPr>
+          <a:xfrm>
+            <a:off x="1762273" y="2315777"/>
+            <a:ext cx="1475380" cy="1081697"/>
+          </a:xfrm>
+          <a:prstGeom prst="line">
+            <a:avLst/>
+          </a:prstGeom>
+          <a:ln w="9525">
+            <a:solidFill>
+              <a:schemeClr val="tx1"/>
+            </a:solidFill>
+          </a:ln>
+        </p:spPr>
+        <p:style>
+          <a:lnRef idx="1">
+            <a:schemeClr val="accent1"/>
+          </a:lnRef>
+          <a:fillRef idx="0">
+            <a:schemeClr val="accent1"/>
+          </a:fillRef>
+          <a:effectRef idx="0">
+            <a:schemeClr val="accent1"/>
+          </a:effectRef>
+          <a:fontRef idx="minor">
+            <a:schemeClr val="tx1"/>
+          </a:fontRef>
+        </p:style>
+      </p:cxnSp>
+      <p:cxnSp>
+        <p:nvCxnSpPr>
+          <p:cNvPr id="39" name="Straight Connector 38">
+            <a:extLst>
+              <a:ext uri="{FF2B5EF4-FFF2-40B4-BE49-F238E27FC236}">
+                <a16:creationId xmlns:a16="http://schemas.microsoft.com/office/drawing/2014/main" id="{6F49156A-8FD3-426F-9D1A-7BC2C55C2B6D}"/>
+              </a:ext>
+            </a:extLst>
+          </p:cNvPr>
+          <p:cNvCxnSpPr>
+            <a:cxnSpLocks/>
+            <a:endCxn id="66" idx="1"/>
+          </p:cNvCxnSpPr>
+          <p:nvPr/>
+        </p:nvCxnSpPr>
+        <p:spPr>
+          <a:xfrm flipV="1">
+            <a:off x="3051956" y="3841181"/>
+            <a:ext cx="970501" cy="381518"/>
+          </a:xfrm>
+          <a:prstGeom prst="line">
+            <a:avLst/>
+          </a:prstGeom>
+          <a:ln w="9525">
+            <a:solidFill>
+              <a:schemeClr val="tx1"/>
+            </a:solidFill>
+          </a:ln>
+        </p:spPr>
+        <p:style>
+          <a:lnRef idx="1">
+            <a:schemeClr val="accent1"/>
+          </a:lnRef>
+          <a:fillRef idx="0">
+            <a:schemeClr val="accent1"/>
+          </a:fillRef>
+          <a:effectRef idx="0">
+            <a:schemeClr val="accent1"/>
+          </a:effectRef>
+          <a:fontRef idx="minor">
+            <a:schemeClr val="tx1"/>
+          </a:fontRef>
+        </p:style>
+      </p:cxnSp>
+      <p:cxnSp>
+        <p:nvCxnSpPr>
+          <p:cNvPr id="42" name="Straight Connector 41">
+            <a:extLst>
+              <a:ext uri="{FF2B5EF4-FFF2-40B4-BE49-F238E27FC236}">
+                <a16:creationId xmlns:a16="http://schemas.microsoft.com/office/drawing/2014/main" id="{4294595C-7BC9-46BF-9B33-FB40625D7DD1}"/>
+              </a:ext>
+            </a:extLst>
+          </p:cNvPr>
+          <p:cNvCxnSpPr>
+            <a:cxnSpLocks/>
+            <a:stCxn id="8" idx="0"/>
+            <a:endCxn id="69" idx="1"/>
+          </p:cNvCxnSpPr>
+          <p:nvPr/>
+        </p:nvCxnSpPr>
+        <p:spPr>
+          <a:xfrm flipV="1">
+            <a:off x="3635367" y="3841180"/>
+            <a:ext cx="1066747" cy="1942740"/>
+          </a:xfrm>
+          <a:prstGeom prst="line">
+            <a:avLst/>
+          </a:prstGeom>
+          <a:ln w="9525">
+            <a:solidFill>
+              <a:schemeClr val="tx1"/>
+            </a:solidFill>
+          </a:ln>
+        </p:spPr>
+        <p:style>
+          <a:lnRef idx="1">
+            <a:schemeClr val="accent1"/>
+          </a:lnRef>
+          <a:fillRef idx="0">
+            <a:schemeClr val="accent1"/>
+          </a:fillRef>
+          <a:effectRef idx="0">
+            <a:schemeClr val="accent1"/>
+          </a:effectRef>
+          <a:fontRef idx="minor">
+            <a:schemeClr val="tx1"/>
+          </a:fontRef>
+        </p:style>
+      </p:cxnSp>
+      <p:cxnSp>
+        <p:nvCxnSpPr>
+          <p:cNvPr id="45" name="Straight Connector 44">
+            <a:extLst>
+              <a:ext uri="{FF2B5EF4-FFF2-40B4-BE49-F238E27FC236}">
+                <a16:creationId xmlns:a16="http://schemas.microsoft.com/office/drawing/2014/main" id="{03CDB2C7-61EE-4C67-AA18-C26C85FAE8E7}"/>
+              </a:ext>
+            </a:extLst>
+          </p:cNvPr>
+          <p:cNvCxnSpPr>
+            <a:cxnSpLocks/>
+            <a:stCxn id="9" idx="0"/>
+            <a:endCxn id="77" idx="1"/>
+          </p:cNvCxnSpPr>
+          <p:nvPr/>
+        </p:nvCxnSpPr>
+        <p:spPr>
+          <a:xfrm flipH="1" flipV="1">
+            <a:off x="5499001" y="3848132"/>
+            <a:ext cx="1716046" cy="1103786"/>
+          </a:xfrm>
+          <a:prstGeom prst="line">
+            <a:avLst/>
+          </a:prstGeom>
+          <a:ln w="9525">
+            <a:solidFill>
+              <a:schemeClr val="tx1"/>
+            </a:solidFill>
+          </a:ln>
+        </p:spPr>
+        <p:style>
+          <a:lnRef idx="1">
+            <a:schemeClr val="accent1"/>
+          </a:lnRef>
+          <a:fillRef idx="0">
+            <a:schemeClr val="accent1"/>
+          </a:fillRef>
+          <a:effectRef idx="0">
+            <a:schemeClr val="accent1"/>
+          </a:effectRef>
+          <a:fontRef idx="minor">
+            <a:schemeClr val="tx1"/>
+          </a:fontRef>
+        </p:style>
+      </p:cxnSp>
+      <p:cxnSp>
+        <p:nvCxnSpPr>
+          <p:cNvPr id="48" name="Straight Connector 47">
+            <a:extLst>
+              <a:ext uri="{FF2B5EF4-FFF2-40B4-BE49-F238E27FC236}">
+                <a16:creationId xmlns:a16="http://schemas.microsoft.com/office/drawing/2014/main" id="{A6E7DCC0-1D2E-44A3-B106-D55CDA551F13}"/>
+              </a:ext>
+            </a:extLst>
+          </p:cNvPr>
+          <p:cNvCxnSpPr>
+            <a:cxnSpLocks/>
+            <a:endCxn id="80" idx="1"/>
+          </p:cNvCxnSpPr>
+          <p:nvPr/>
+        </p:nvCxnSpPr>
+        <p:spPr>
+          <a:xfrm flipH="1" flipV="1">
+            <a:off x="6288743" y="3830680"/>
+            <a:ext cx="3089996" cy="1122244"/>
+          </a:xfrm>
+          <a:prstGeom prst="line">
+            <a:avLst/>
+          </a:prstGeom>
+          <a:ln w="9525">
+            <a:solidFill>
+              <a:schemeClr val="tx1"/>
+            </a:solidFill>
+          </a:ln>
+        </p:spPr>
+        <p:style>
+          <a:lnRef idx="1">
+            <a:schemeClr val="accent1"/>
+          </a:lnRef>
+          <a:fillRef idx="0">
+            <a:schemeClr val="accent1"/>
+          </a:fillRef>
+          <a:effectRef idx="0">
+            <a:schemeClr val="accent1"/>
+          </a:effectRef>
+          <a:fontRef idx="minor">
+            <a:schemeClr val="tx1"/>
+          </a:fontRef>
+        </p:style>
+      </p:cxnSp>
+      <p:cxnSp>
+        <p:nvCxnSpPr>
+          <p:cNvPr id="58" name="Straight Connector 57">
+            <a:extLst>
+              <a:ext uri="{FF2B5EF4-FFF2-40B4-BE49-F238E27FC236}">
+                <a16:creationId xmlns:a16="http://schemas.microsoft.com/office/drawing/2014/main" id="{27158A3E-639A-4910-9389-6FE23E52830B}"/>
+              </a:ext>
+            </a:extLst>
+          </p:cNvPr>
+          <p:cNvCxnSpPr>
+            <a:cxnSpLocks/>
+            <a:stCxn id="18" idx="1"/>
+            <a:endCxn id="82" idx="1"/>
+          </p:cNvCxnSpPr>
+          <p:nvPr/>
+        </p:nvCxnSpPr>
+        <p:spPr>
+          <a:xfrm flipH="1" flipV="1">
+            <a:off x="6763097" y="3838190"/>
+            <a:ext cx="2615642" cy="326156"/>
+          </a:xfrm>
+          <a:prstGeom prst="line">
+            <a:avLst/>
+          </a:prstGeom>
+          <a:ln w="9525">
+            <a:solidFill>
+              <a:schemeClr val="tx1"/>
+            </a:solidFill>
+          </a:ln>
+        </p:spPr>
+        <p:style>
+          <a:lnRef idx="1">
+            <a:schemeClr val="accent1"/>
+          </a:lnRef>
+          <a:fillRef idx="0">
+            <a:schemeClr val="accent1"/>
+          </a:fillRef>
+          <a:effectRef idx="0">
+            <a:schemeClr val="accent1"/>
+          </a:effectRef>
+          <a:fontRef idx="minor">
+            <a:schemeClr val="tx1"/>
+          </a:fontRef>
+        </p:style>
+      </p:cxnSp>
+      <p:sp>
+        <p:nvSpPr>
+          <p:cNvPr id="66" name="Left Brace 65">
+            <a:extLst>
+              <a:ext uri="{FF2B5EF4-FFF2-40B4-BE49-F238E27FC236}">
+                <a16:creationId xmlns:a16="http://schemas.microsoft.com/office/drawing/2014/main" id="{D80660CA-966E-4262-8B92-B3559B19822E}"/>
+              </a:ext>
+            </a:extLst>
+          </p:cNvPr>
+          <p:cNvSpPr/>
+          <p:nvPr/>
+        </p:nvSpPr>
+        <p:spPr>
+          <a:xfrm rot="16200000">
+            <a:off x="3960232" y="3391866"/>
+            <a:ext cx="124450" cy="774180"/>
+          </a:xfrm>
+          <a:prstGeom prst="leftBrace">
+            <a:avLst/>
+          </a:prstGeom>
+          <a:ln w="12700">
+            <a:solidFill>
+              <a:srgbClr val="FF0000"/>
+            </a:solidFill>
+          </a:ln>
+          <a:effectLst>
+            <a:outerShdw blurRad="63500" sx="102000" sy="102000" algn="ctr" rotWithShape="0">
+              <a:prstClr val="black">
+                <a:alpha val="40000"/>
+              </a:prstClr>
+            </a:outerShdw>
+          </a:effectLst>
+        </p:spPr>
+        <p:style>
+          <a:lnRef idx="1">
+            <a:schemeClr val="accent1"/>
+          </a:lnRef>
+          <a:fillRef idx="0">
+            <a:schemeClr val="accent1"/>
+          </a:fillRef>
+          <a:effectRef idx="0">
+            <a:schemeClr val="accent1"/>
+          </a:effectRef>
+          <a:fontRef idx="minor">
+            <a:schemeClr val="tx1"/>
+          </a:fontRef>
+        </p:style>
+        <p:txBody>
+          <a:bodyPr rtlCol="0" anchor="ctr"/>
+          <a:lstStyle/>
+          <a:p>
+            <a:pPr algn="ctr"/>
+            <a:endParaRPr lang="en-US"/>
+          </a:p>
+        </p:txBody>
+      </p:sp>
+      <p:sp>
+        <p:nvSpPr>
+          <p:cNvPr id="69" name="Left Brace 68">
+            <a:extLst>
+              <a:ext uri="{FF2B5EF4-FFF2-40B4-BE49-F238E27FC236}">
+                <a16:creationId xmlns:a16="http://schemas.microsoft.com/office/drawing/2014/main" id="{F2CD7FBD-53D2-4955-B044-DE5B4E12FEA2}"/>
+              </a:ext>
+            </a:extLst>
+          </p:cNvPr>
+          <p:cNvSpPr/>
+          <p:nvPr/>
+        </p:nvSpPr>
+        <p:spPr>
+          <a:xfrm rot="16200000">
+            <a:off x="4639889" y="3589097"/>
+            <a:ext cx="124450" cy="379716"/>
+          </a:xfrm>
+          <a:prstGeom prst="leftBrace">
+            <a:avLst/>
+          </a:prstGeom>
+          <a:ln w="12700">
+            <a:solidFill>
+              <a:srgbClr val="FF0000"/>
+            </a:solidFill>
+          </a:ln>
+          <a:effectLst>
+            <a:outerShdw blurRad="63500" sx="102000" sy="102000" algn="ctr" rotWithShape="0">
+              <a:prstClr val="black">
+                <a:alpha val="40000"/>
+              </a:prstClr>
+            </a:outerShdw>
+          </a:effectLst>
+        </p:spPr>
+        <p:style>
+          <a:lnRef idx="1">
+            <a:schemeClr val="accent1"/>
+          </a:lnRef>
+          <a:fillRef idx="0">
+            <a:schemeClr val="accent1"/>
+          </a:fillRef>
+          <a:effectRef idx="0">
+            <a:schemeClr val="accent1"/>
+          </a:effectRef>
+          <a:fontRef idx="minor">
+            <a:schemeClr val="tx1"/>
+          </a:fontRef>
+        </p:style>
+        <p:txBody>
+          <a:bodyPr rtlCol="0" anchor="ctr"/>
+          <a:lstStyle/>
+          <a:p>
+            <a:pPr algn="ctr"/>
+            <a:endParaRPr lang="en-US"/>
+          </a:p>
+        </p:txBody>
+      </p:sp>
+      <p:sp>
+        <p:nvSpPr>
+          <p:cNvPr id="77" name="Left Brace 76">
+            <a:extLst>
+              <a:ext uri="{FF2B5EF4-FFF2-40B4-BE49-F238E27FC236}">
+                <a16:creationId xmlns:a16="http://schemas.microsoft.com/office/drawing/2014/main" id="{4F9E248D-9ADF-4DDE-913C-B10B29BBF2BA}"/>
+              </a:ext>
+            </a:extLst>
+          </p:cNvPr>
+          <p:cNvSpPr/>
+          <p:nvPr/>
+        </p:nvSpPr>
+        <p:spPr>
+          <a:xfrm rot="16200000">
+            <a:off x="5436775" y="3289007"/>
+            <a:ext cx="124450" cy="993799"/>
+          </a:xfrm>
+          <a:prstGeom prst="leftBrace">
+            <a:avLst/>
+          </a:prstGeom>
+          <a:ln w="12700">
+            <a:solidFill>
+              <a:srgbClr val="FF0000"/>
+            </a:solidFill>
+          </a:ln>
+          <a:effectLst>
+            <a:outerShdw blurRad="63500" sx="102000" sy="102000" algn="ctr" rotWithShape="0">
+              <a:prstClr val="black">
+                <a:alpha val="40000"/>
+              </a:prstClr>
+            </a:outerShdw>
+          </a:effectLst>
+        </p:spPr>
+        <p:style>
+          <a:lnRef idx="1">
+            <a:schemeClr val="accent1"/>
+          </a:lnRef>
+          <a:fillRef idx="0">
+            <a:schemeClr val="accent1"/>
+          </a:fillRef>
+          <a:effectRef idx="0">
+            <a:schemeClr val="accent1"/>
+          </a:effectRef>
+          <a:fontRef idx="minor">
+            <a:schemeClr val="tx1"/>
+          </a:fontRef>
+        </p:style>
+        <p:txBody>
+          <a:bodyPr rtlCol="0" anchor="ctr"/>
+          <a:lstStyle/>
+          <a:p>
+            <a:pPr algn="ctr"/>
+            <a:endParaRPr lang="en-US"/>
+          </a:p>
+        </p:txBody>
+      </p:sp>
+      <p:sp>
+        <p:nvSpPr>
+          <p:cNvPr id="80" name="Left Brace 79">
+            <a:extLst>
+              <a:ext uri="{FF2B5EF4-FFF2-40B4-BE49-F238E27FC236}">
+                <a16:creationId xmlns:a16="http://schemas.microsoft.com/office/drawing/2014/main" id="{1C77A2A5-7103-4C57-88C3-E3E54A18DB79}"/>
+              </a:ext>
+            </a:extLst>
+          </p:cNvPr>
+          <p:cNvSpPr/>
+          <p:nvPr/>
+        </p:nvSpPr>
+        <p:spPr>
+          <a:xfrm rot="16200000">
+            <a:off x="6226518" y="3578597"/>
+            <a:ext cx="124450" cy="379716"/>
+          </a:xfrm>
+          <a:prstGeom prst="leftBrace">
+            <a:avLst/>
+          </a:prstGeom>
+          <a:ln w="12700">
+            <a:solidFill>
+              <a:srgbClr val="FF0000"/>
+            </a:solidFill>
+          </a:ln>
+          <a:effectLst>
+            <a:outerShdw blurRad="63500" sx="102000" sy="102000" algn="ctr" rotWithShape="0">
+              <a:prstClr val="black">
+                <a:alpha val="40000"/>
+              </a:prstClr>
+            </a:outerShdw>
+          </a:effectLst>
+        </p:spPr>
+        <p:style>
+          <a:lnRef idx="1">
+            <a:schemeClr val="accent1"/>
+          </a:lnRef>
+          <a:fillRef idx="0">
+            <a:schemeClr val="accent1"/>
+          </a:fillRef>
+          <a:effectRef idx="0">
+            <a:schemeClr val="accent1"/>
+          </a:effectRef>
+          <a:fontRef idx="minor">
+            <a:schemeClr val="tx1"/>
+          </a:fontRef>
+        </p:style>
+        <p:txBody>
+          <a:bodyPr rtlCol="0" anchor="ctr"/>
+          <a:lstStyle/>
+          <a:p>
+            <a:pPr algn="ctr"/>
+            <a:endParaRPr lang="en-US"/>
+          </a:p>
+        </p:txBody>
+      </p:sp>
+      <p:sp>
+        <p:nvSpPr>
+          <p:cNvPr id="82" name="Left Brace 81">
+            <a:extLst>
+              <a:ext uri="{FF2B5EF4-FFF2-40B4-BE49-F238E27FC236}">
+                <a16:creationId xmlns:a16="http://schemas.microsoft.com/office/drawing/2014/main" id="{C8159753-7463-427A-93B1-DB05A430906A}"/>
+              </a:ext>
+            </a:extLst>
+          </p:cNvPr>
+          <p:cNvSpPr/>
+          <p:nvPr/>
+        </p:nvSpPr>
+        <p:spPr>
+          <a:xfrm rot="16200000">
+            <a:off x="6700872" y="3586107"/>
+            <a:ext cx="124450" cy="379716"/>
+          </a:xfrm>
+          <a:prstGeom prst="leftBrace">
+            <a:avLst/>
+          </a:prstGeom>
+          <a:ln w="12700">
+            <a:solidFill>
+              <a:srgbClr val="FF0000"/>
+            </a:solidFill>
+          </a:ln>
+          <a:effectLst>
+            <a:outerShdw blurRad="63500" sx="102000" sy="102000" algn="ctr" rotWithShape="0">
+              <a:prstClr val="black">
+                <a:alpha val="40000"/>
+              </a:prstClr>
+            </a:outerShdw>
+          </a:effectLst>
+        </p:spPr>
+        <p:style>
+          <a:lnRef idx="1">
+            <a:schemeClr val="accent1"/>
+          </a:lnRef>
+          <a:fillRef idx="0">
+            <a:schemeClr val="accent1"/>
+          </a:fillRef>
+          <a:effectRef idx="0">
+            <a:schemeClr val="accent1"/>
+          </a:effectRef>
+          <a:fontRef idx="minor">
+            <a:schemeClr val="tx1"/>
+          </a:fontRef>
+        </p:style>
+        <p:txBody>
+          <a:bodyPr rtlCol="0" anchor="ctr"/>
+          <a:lstStyle/>
+          <a:p>
+            <a:pPr algn="ctr"/>
+            <a:endParaRPr lang="en-US"/>
+          </a:p>
+        </p:txBody>
+      </p:sp>
+      <p:sp>
+        <p:nvSpPr>
+          <p:cNvPr id="84" name="Left Brace 83">
+            <a:extLst>
+              <a:ext uri="{FF2B5EF4-FFF2-40B4-BE49-F238E27FC236}">
+                <a16:creationId xmlns:a16="http://schemas.microsoft.com/office/drawing/2014/main" id="{1D31B13B-D717-4841-9D03-BD395FD2ED19}"/>
+              </a:ext>
+            </a:extLst>
+          </p:cNvPr>
+          <p:cNvSpPr/>
+          <p:nvPr/>
+        </p:nvSpPr>
+        <p:spPr>
+          <a:xfrm rot="5400000">
+            <a:off x="3175428" y="3135229"/>
+            <a:ext cx="124450" cy="648940"/>
+          </a:xfrm>
+          <a:prstGeom prst="leftBrace">
+            <a:avLst/>
+          </a:prstGeom>
+          <a:ln w="12700">
+            <a:solidFill>
+              <a:srgbClr val="FF0000"/>
+            </a:solidFill>
+          </a:ln>
+          <a:effectLst>
+            <a:outerShdw blurRad="63500" sx="102000" sy="102000" algn="ctr" rotWithShape="0">
+              <a:prstClr val="black">
+                <a:alpha val="40000"/>
+              </a:prstClr>
+            </a:outerShdw>
+          </a:effectLst>
+        </p:spPr>
+        <p:style>
+          <a:lnRef idx="1">
+            <a:schemeClr val="accent1"/>
+          </a:lnRef>
+          <a:fillRef idx="0">
+            <a:schemeClr val="accent1"/>
+          </a:fillRef>
+          <a:effectRef idx="0">
+            <a:schemeClr val="accent1"/>
+          </a:effectRef>
+          <a:fontRef idx="minor">
+            <a:schemeClr val="tx1"/>
+          </a:fontRef>
+        </p:style>
+        <p:txBody>
+          <a:bodyPr rtlCol="0" anchor="ctr"/>
+          <a:lstStyle/>
+          <a:p>
+            <a:pPr algn="ctr"/>
+            <a:endParaRPr lang="en-US"/>
+          </a:p>
+        </p:txBody>
+      </p:sp>
+      <p:sp>
+        <p:nvSpPr>
+          <p:cNvPr id="88" name="Left Brace 87">
+            <a:extLst>
+              <a:ext uri="{FF2B5EF4-FFF2-40B4-BE49-F238E27FC236}">
+                <a16:creationId xmlns:a16="http://schemas.microsoft.com/office/drawing/2014/main" id="{95651FDE-3340-4DDB-98F0-8CD7F6726130}"/>
+              </a:ext>
+            </a:extLst>
+          </p:cNvPr>
+          <p:cNvSpPr/>
+          <p:nvPr/>
+        </p:nvSpPr>
+        <p:spPr>
+          <a:xfrm rot="5400000">
+            <a:off x="7282509" y="3113337"/>
+            <a:ext cx="124450" cy="648940"/>
+          </a:xfrm>
+          <a:prstGeom prst="leftBrace">
+            <a:avLst/>
+          </a:prstGeom>
+          <a:ln w="12700">
+            <a:solidFill>
+              <a:srgbClr val="FF0000"/>
+            </a:solidFill>
+          </a:ln>
+          <a:effectLst>
+            <a:outerShdw blurRad="50800" dist="38100" algn="l" rotWithShape="0">
+              <a:prstClr val="black">
+                <a:alpha val="40000"/>
+              </a:prstClr>
+            </a:outerShdw>
+          </a:effectLst>
+        </p:spPr>
+        <p:style>
+          <a:lnRef idx="1">
+            <a:schemeClr val="accent1"/>
+          </a:lnRef>
+          <a:fillRef idx="0">
+            <a:schemeClr val="accent1"/>
+          </a:fillRef>
+          <a:effectRef idx="0">
+            <a:schemeClr val="accent1"/>
+          </a:effectRef>
+          <a:fontRef idx="minor">
+            <a:schemeClr val="tx1"/>
+          </a:fontRef>
+        </p:style>
+        <p:txBody>
+          <a:bodyPr rtlCol="0" anchor="ctr"/>
+          <a:lstStyle/>
+          <a:p>
+            <a:pPr algn="ctr"/>
+            <a:endParaRPr lang="en-US"/>
+          </a:p>
+        </p:txBody>
+      </p:sp>
+      <p:sp>
+        <p:nvSpPr>
+          <p:cNvPr id="91" name="Left Brace 90">
+            <a:extLst>
+              <a:ext uri="{FF2B5EF4-FFF2-40B4-BE49-F238E27FC236}">
+                <a16:creationId xmlns:a16="http://schemas.microsoft.com/office/drawing/2014/main" id="{9DD576A6-B909-4DB7-9E58-10E587670A5F}"/>
+              </a:ext>
+            </a:extLst>
+          </p:cNvPr>
+          <p:cNvSpPr/>
+          <p:nvPr/>
+        </p:nvSpPr>
+        <p:spPr>
+          <a:xfrm rot="5400000">
+            <a:off x="5921970" y="3025071"/>
+            <a:ext cx="124450" cy="379716"/>
+          </a:xfrm>
+          <a:prstGeom prst="leftBrace">
+            <a:avLst/>
+          </a:prstGeom>
+          <a:ln w="12700">
+            <a:solidFill>
+              <a:srgbClr val="FF0000"/>
+            </a:solidFill>
+          </a:ln>
+          <a:effectLst>
+            <a:outerShdw blurRad="50800" dist="38100" algn="l" rotWithShape="0">
+              <a:prstClr val="black">
+                <a:alpha val="40000"/>
+              </a:prstClr>
+            </a:outerShdw>
+          </a:effectLst>
+        </p:spPr>
+        <p:style>
+          <a:lnRef idx="1">
+            <a:schemeClr val="accent1"/>
+          </a:lnRef>
+          <a:fillRef idx="0">
+            <a:schemeClr val="accent1"/>
+          </a:fillRef>
+          <a:effectRef idx="0">
+            <a:schemeClr val="accent1"/>
+          </a:effectRef>
+          <a:fontRef idx="minor">
+            <a:schemeClr val="tx1"/>
+          </a:fontRef>
+        </p:style>
+        <p:txBody>
+          <a:bodyPr rtlCol="0" anchor="ctr"/>
+          <a:lstStyle/>
+          <a:p>
+            <a:pPr algn="ctr"/>
+            <a:endParaRPr lang="en-US"/>
+          </a:p>
+        </p:txBody>
+      </p:sp>
+      <p:sp>
+        <p:nvSpPr>
+          <p:cNvPr id="94" name="Left Brace 93">
+            <a:extLst>
+              <a:ext uri="{FF2B5EF4-FFF2-40B4-BE49-F238E27FC236}">
+                <a16:creationId xmlns:a16="http://schemas.microsoft.com/office/drawing/2014/main" id="{2926FF7B-22DF-4178-AA6C-BE87B974B93A}"/>
+              </a:ext>
+            </a:extLst>
+          </p:cNvPr>
+          <p:cNvSpPr/>
+          <p:nvPr/>
+        </p:nvSpPr>
+        <p:spPr>
+          <a:xfrm rot="5400000">
+            <a:off x="5444693" y="3025071"/>
+            <a:ext cx="124450" cy="379716"/>
+          </a:xfrm>
+          <a:prstGeom prst="leftBrace">
+            <a:avLst/>
+          </a:prstGeom>
+          <a:ln w="12700">
+            <a:solidFill>
+              <a:srgbClr val="FF0000"/>
+            </a:solidFill>
+          </a:ln>
+          <a:effectLst>
+            <a:outerShdw blurRad="50800" dist="38100" algn="l" rotWithShape="0">
+              <a:prstClr val="black">
+                <a:alpha val="40000"/>
+              </a:prstClr>
+            </a:outerShdw>
+          </a:effectLst>
+        </p:spPr>
+        <p:style>
+          <a:lnRef idx="1">
+            <a:schemeClr val="accent1"/>
+          </a:lnRef>
+          <a:fillRef idx="0">
+            <a:schemeClr val="accent1"/>
+          </a:fillRef>
+          <a:effectRef idx="0">
+            <a:schemeClr val="accent1"/>
+          </a:effectRef>
+          <a:fontRef idx="minor">
+            <a:schemeClr val="tx1"/>
+          </a:fontRef>
+        </p:style>
+        <p:txBody>
+          <a:bodyPr rtlCol="0" anchor="ctr"/>
+          <a:lstStyle/>
+          <a:p>
+            <a:pPr algn="ctr"/>
+            <a:endParaRPr lang="en-US"/>
+          </a:p>
+        </p:txBody>
+      </p:sp>
+    </p:spTree>
+    <p:extLst>
+      <p:ext uri="{BB962C8B-B14F-4D97-AF65-F5344CB8AC3E}">
+        <p14:creationId xmlns:p14="http://schemas.microsoft.com/office/powerpoint/2010/main" val="2407535307"/>
+      </p:ext>
+    </p:extLst>
+  </p:cSld>
+  <p:clrMapOvr>
+    <a:masterClrMapping/>
+  </p:clrMapOvr>
+</p:sld>
+</file>
+
+<file path=ppt/slides/slide4.xml><?xml version="1.0" encoding="utf-8"?>
+<p:sld xmlns:a="http://schemas.openxmlformats.org/drawingml/2006/main" xmlns:r="http://schemas.openxmlformats.org/officeDocument/2006/relationships" xmlns:p="http://schemas.openxmlformats.org/presentationml/2006/main">
+  <p:cSld>
+    <p:spTree>
+      <p:nvGrpSpPr>
+        <p:cNvPr id="1" name=""/>
+        <p:cNvGrpSpPr/>
+        <p:nvPr/>
+      </p:nvGrpSpPr>
+      <p:grpSpPr>
+        <a:xfrm>
+          <a:off x="0" y="0"/>
+          <a:ext cx="0" cy="0"/>
+          <a:chOff x="0" y="0"/>
+          <a:chExt cx="0" cy="0"/>
+        </a:xfrm>
+      </p:grpSpPr>
+      <p:pic>
+        <p:nvPicPr>
+          <p:cNvPr id="3" name="Picture 2">
+            <a:extLst>
+              <a:ext uri="{FF2B5EF4-FFF2-40B4-BE49-F238E27FC236}">
+                <a16:creationId xmlns:a16="http://schemas.microsoft.com/office/drawing/2014/main" id="{F50ECED7-4CA2-44E0-B00A-2FEEDBF33EFC}"/>
+              </a:ext>
+            </a:extLst>
+          </p:cNvPr>
+          <p:cNvPicPr>
+            <a:picLocks noChangeAspect="1"/>
+          </p:cNvPicPr>
+          <p:nvPr/>
+        </p:nvPicPr>
+        <p:blipFill>
+          <a:blip r:embed="rId2"/>
+          <a:stretch>
+            <a:fillRect/>
+          </a:stretch>
+        </p:blipFill>
+        <p:spPr>
+          <a:xfrm>
+            <a:off x="1353975" y="952500"/>
+            <a:ext cx="7410450" cy="4953000"/>
+          </a:xfrm>
+          <a:prstGeom prst="rect">
+            <a:avLst/>
+          </a:prstGeom>
+        </p:spPr>
+      </p:pic>
+      <p:pic>
+        <p:nvPicPr>
+          <p:cNvPr id="5" name="Picture 4">
+            <a:extLst>
+              <a:ext uri="{FF2B5EF4-FFF2-40B4-BE49-F238E27FC236}">
+                <a16:creationId xmlns:a16="http://schemas.microsoft.com/office/drawing/2014/main" id="{3EA315A6-495D-4F12-92A2-62C5D2B9734E}"/>
+              </a:ext>
+            </a:extLst>
+          </p:cNvPr>
+          <p:cNvPicPr>
+            <a:picLocks noChangeAspect="1"/>
+          </p:cNvPicPr>
+          <p:nvPr/>
+        </p:nvPicPr>
+        <p:blipFill>
+          <a:blip r:embed="rId3"/>
+          <a:stretch>
+            <a:fillRect/>
+          </a:stretch>
+        </p:blipFill>
+        <p:spPr>
+          <a:xfrm>
+            <a:off x="4195497" y="885470"/>
+            <a:ext cx="3801005" cy="5087060"/>
+          </a:xfrm>
+          <a:prstGeom prst="rect">
+            <a:avLst/>
+          </a:prstGeom>
+        </p:spPr>
+      </p:pic>
+    </p:spTree>
+    <p:extLst>
+      <p:ext uri="{BB962C8B-B14F-4D97-AF65-F5344CB8AC3E}">
+        <p14:creationId xmlns:p14="http://schemas.microsoft.com/office/powerpoint/2010/main" val="465332692"/>
       </p:ext>
     </p:extLst>
   </p:cSld>
